--- a/Présentation P6 - OpenClassrooms.pptx
+++ b/Présentation P6 - OpenClassrooms.pptx
@@ -27,14 +27,14 @@
   <p:notesSz cx="6858000" cy="9144000"/>
   <p:embeddedFontLst>
     <p:embeddedFont>
-      <p:font typeface="Quattrocento Sans" panose="020B0604020202020204" charset="0"/>
+      <p:font typeface="Calibri" panose="020F0502020204030204" pitchFamily="34" charset="0"/>
       <p:regular r:id="rId17"/>
       <p:bold r:id="rId18"/>
       <p:italic r:id="rId19"/>
       <p:boldItalic r:id="rId20"/>
     </p:embeddedFont>
     <p:embeddedFont>
-      <p:font typeface="Calibri" panose="020F0502020204030204" pitchFamily="34" charset="0"/>
+      <p:font typeface="Quattrocento Sans" panose="020B0604020202020204" charset="0"/>
       <p:regular r:id="rId21"/>
       <p:bold r:id="rId22"/>
       <p:italic r:id="rId23"/>
@@ -12650,31 +12650,13 @@
               <a:buSzPts val="5400"/>
             </a:pPr>
             <a:r>
-              <a:rPr lang="fr-FR" sz="4400" b="1" dirty="0" smtClean="0">
-                <a:latin typeface="Quattrocento Sans"/>
-                <a:ea typeface="Quattrocento Sans"/>
-                <a:cs typeface="Quattrocento Sans"/>
-                <a:sym typeface="Quattrocento Sans"/>
-              </a:rPr>
-              <a:t>P6 </a:t>
-            </a:r>
-            <a:r>
               <a:rPr lang="fr-FR" sz="4400" b="1" dirty="0">
                 <a:latin typeface="Quattrocento Sans"/>
                 <a:ea typeface="Quattrocento Sans"/>
                 <a:cs typeface="Quattrocento Sans"/>
                 <a:sym typeface="Quattrocento Sans"/>
               </a:rPr>
-              <a:t>– </a:t>
-            </a:r>
-            <a:r>
-              <a:rPr lang="fr-FR" sz="4400" b="1" dirty="0" smtClean="0">
-                <a:latin typeface="Quattrocento Sans"/>
-                <a:ea typeface="Quattrocento Sans"/>
-                <a:cs typeface="Quattrocento Sans"/>
-                <a:sym typeface="Quattrocento Sans"/>
-              </a:rPr>
-              <a:t>Créez un jeu de plateau tour par tour en JS</a:t>
+              <a:t>P6 – Créez un jeu de plateau tour par tour en JS</a:t>
             </a:r>
             <a:endParaRPr sz="4400" b="1" dirty="0">
               <a:latin typeface="Quattrocento Sans"/>
@@ -12866,34 +12848,7 @@
                 <a:cs typeface="Quattrocento Sans"/>
                 <a:sym typeface="Quattrocento Sans"/>
               </a:rPr>
-              <a:t>Etape </a:t>
-            </a:r>
-            <a:r>
-              <a:rPr lang="fr-FR" sz="3959" dirty="0" smtClean="0">
-                <a:latin typeface="Quattrocento Sans"/>
-                <a:ea typeface="Quattrocento Sans"/>
-                <a:cs typeface="Quattrocento Sans"/>
-                <a:sym typeface="Quattrocento Sans"/>
-              </a:rPr>
-              <a:t>2 </a:t>
-            </a:r>
-            <a:r>
-              <a:rPr lang="fr-FR" sz="3959" dirty="0">
-                <a:latin typeface="Quattrocento Sans"/>
-                <a:ea typeface="Quattrocento Sans"/>
-                <a:cs typeface="Quattrocento Sans"/>
-                <a:sym typeface="Quattrocento Sans"/>
-              </a:rPr>
-              <a:t>– </a:t>
-            </a:r>
-            <a:r>
-              <a:rPr lang="fr-FR" sz="3959" dirty="0" smtClean="0">
-                <a:latin typeface="Quattrocento Sans"/>
-                <a:ea typeface="Quattrocento Sans"/>
-                <a:cs typeface="Quattrocento Sans"/>
-                <a:sym typeface="Quattrocento Sans"/>
-              </a:rPr>
-              <a:t>Les mouvements</a:t>
+              <a:t>Etape 2 – Les mouvements</a:t>
             </a:r>
             <a:endParaRPr sz="1979" dirty="0">
               <a:latin typeface="Quattrocento Sans"/>
@@ -12958,120 +12913,159 @@
           <a:lstStyle/>
           <a:p>
             <a:r>
-              <a:rPr lang="fr-FR" sz="2200" dirty="0" smtClean="0"/>
+              <a:rPr lang="fr-FR" sz="2200" dirty="0"/>
               <a:t>Méthode </a:t>
             </a:r>
             <a:r>
-              <a:rPr lang="fr-FR" sz="2200" dirty="0" err="1" smtClean="0"/>
+              <a:rPr lang="fr-FR" sz="2200" dirty="0" err="1"/>
               <a:t>checkAvailableMoveCase</a:t>
             </a:r>
             <a:r>
-              <a:rPr lang="fr-FR" sz="2200" dirty="0" smtClean="0"/>
+              <a:rPr lang="fr-FR" sz="2200" dirty="0"/>
               <a:t>() :</a:t>
             </a:r>
           </a:p>
           <a:p>
             <a:pPr lvl="1"/>
             <a:r>
-              <a:rPr lang="fr-FR" sz="1800" dirty="0" smtClean="0"/>
+              <a:rPr lang="fr-FR" sz="1800" dirty="0"/>
               <a:t>Parcourt le tableau </a:t>
             </a:r>
             <a:r>
-              <a:rPr lang="fr-FR" sz="1800" dirty="0" err="1" smtClean="0"/>
+              <a:rPr lang="fr-FR" sz="1800" dirty="0" err="1"/>
               <a:t>grid</a:t>
             </a:r>
             <a:r>
-              <a:rPr lang="fr-FR" sz="1800" dirty="0" smtClean="0"/>
+              <a:rPr lang="fr-FR" sz="1800" dirty="0"/>
               <a:t> en recherchant la position des deux joueurs</a:t>
             </a:r>
           </a:p>
           <a:p>
             <a:pPr lvl="1"/>
             <a:r>
-              <a:rPr lang="fr-FR" sz="1800" dirty="0" smtClean="0"/>
+              <a:rPr lang="fr-FR" sz="1800" dirty="0"/>
               <a:t>Récupérer les positions adjacentes aux joueurs</a:t>
             </a:r>
           </a:p>
           <a:p>
             <a:pPr lvl="1"/>
             <a:r>
-              <a:rPr lang="fr-FR" sz="1800" dirty="0" smtClean="0"/>
+              <a:rPr lang="fr-FR" sz="1800" dirty="0"/>
               <a:t>Boucle </a:t>
             </a:r>
             <a:r>
-              <a:rPr lang="fr-FR" sz="1800" dirty="0" err="1" smtClean="0"/>
+              <a:rPr lang="fr-FR" sz="1800" dirty="0" err="1"/>
               <a:t>while</a:t>
             </a:r>
             <a:r>
-              <a:rPr lang="fr-FR" sz="1800" dirty="0" smtClean="0"/>
+              <a:rPr lang="fr-FR" sz="1800" dirty="0"/>
               <a:t> avec une variable « </a:t>
             </a:r>
             <a:r>
-              <a:rPr lang="fr-FR" sz="1800" dirty="0" err="1" smtClean="0"/>
+              <a:rPr lang="fr-FR" sz="1800" dirty="0" err="1"/>
               <a:t>limit</a:t>
             </a:r>
             <a:r>
-              <a:rPr lang="fr-FR" sz="1800" dirty="0" smtClean="0"/>
+              <a:rPr lang="fr-FR" sz="1800" dirty="0"/>
               <a:t> » égal à 3 (pour obtenir 3 cases de mouvement)</a:t>
             </a:r>
           </a:p>
           <a:p>
             <a:pPr lvl="1"/>
             <a:r>
-              <a:rPr lang="fr-FR" sz="1800" dirty="0" smtClean="0"/>
+              <a:rPr lang="fr-FR" sz="1800" dirty="0"/>
               <a:t>Vérifie si les positions adjacentes sont bien accessibles</a:t>
             </a:r>
           </a:p>
           <a:p>
             <a:pPr lvl="1"/>
             <a:r>
-              <a:rPr lang="fr-FR" sz="1800" dirty="0" smtClean="0"/>
+              <a:rPr lang="fr-FR" sz="1800" dirty="0"/>
               <a:t>Actualise la propriété </a:t>
             </a:r>
             <a:r>
-              <a:rPr lang="fr-FR" sz="1800" dirty="0" err="1" smtClean="0"/>
+              <a:rPr lang="fr-FR" sz="1800" dirty="0" err="1"/>
               <a:t>availableMoveCase</a:t>
             </a:r>
             <a:r>
-              <a:rPr lang="fr-FR" sz="1800" dirty="0" smtClean="0"/>
+              <a:rPr lang="fr-FR" sz="1800" dirty="0"/>
               <a:t> dans le tableau </a:t>
             </a:r>
             <a:r>
-              <a:rPr lang="fr-FR" sz="1800" dirty="0" err="1" smtClean="0"/>
+              <a:rPr lang="fr-FR" sz="1800" dirty="0" err="1"/>
               <a:t>grid</a:t>
             </a:r>
             <a:r>
-              <a:rPr lang="fr-FR" sz="1800" dirty="0" smtClean="0"/>
+              <a:rPr lang="fr-FR" sz="1800" dirty="0"/>
               <a:t> de chaque position adjacente</a:t>
             </a:r>
           </a:p>
           <a:p>
             <a:r>
-              <a:rPr lang="fr-FR" sz="2200" dirty="0" smtClean="0"/>
+              <a:rPr lang="fr-FR" sz="2200" dirty="0"/>
               <a:t>Méthode </a:t>
             </a:r>
             <a:r>
-              <a:rPr lang="fr-FR" sz="2200" dirty="0" err="1" smtClean="0"/>
+              <a:rPr lang="fr-FR" sz="2200" dirty="0" err="1"/>
               <a:t>movePlayer</a:t>
             </a:r>
             <a:r>
-              <a:rPr lang="fr-FR" sz="2200" dirty="0" smtClean="0"/>
+              <a:rPr lang="fr-FR" sz="2200" dirty="0"/>
               <a:t>()</a:t>
             </a:r>
           </a:p>
           <a:p>
             <a:pPr lvl="1"/>
             <a:r>
-              <a:rPr lang="fr-FR" sz="1800" dirty="0" smtClean="0"/>
+              <a:rPr lang="fr-FR" sz="1800" dirty="0"/>
               <a:t>En HTML, détecte le click sur une case de mouvement au niveau de la grille de jeu</a:t>
             </a:r>
           </a:p>
           <a:p>
             <a:pPr lvl="1"/>
             <a:r>
-              <a:rPr lang="fr-FR" sz="1800" dirty="0" smtClean="0"/>
+              <a:rPr lang="fr-FR" sz="1800" dirty="0"/>
               <a:t>Utilisation de deux variables locales pour stocker les coordonnées du click</a:t>
             </a:r>
+          </a:p>
+          <a:p>
+            <a:pPr lvl="1"/>
+            <a:r>
+              <a:rPr lang="fr-FR" sz="1800" dirty="0"/>
+              <a:t>On utilise aussi deux variables : </a:t>
+            </a:r>
+            <a:r>
+              <a:rPr lang="fr-FR" sz="1800" dirty="0" err="1"/>
+              <a:t>directionRow</a:t>
+            </a:r>
+            <a:r>
+              <a:rPr lang="fr-FR" sz="1800" dirty="0"/>
+              <a:t> et </a:t>
+            </a:r>
+            <a:r>
+              <a:rPr lang="fr-FR" sz="1800" dirty="0" err="1"/>
+              <a:t>directionCol</a:t>
+            </a:r>
+            <a:r>
+              <a:rPr lang="fr-FR" sz="1800" dirty="0"/>
+              <a:t> qui prendra une valeur en fonction de la direction du déplacement</a:t>
+            </a:r>
+          </a:p>
+          <a:p>
+            <a:pPr lvl="1"/>
+            <a:r>
+              <a:rPr lang="fr-FR" sz="1800" dirty="0"/>
+              <a:t>Ces variables seront ensuite utilisées dans une boucle </a:t>
+            </a:r>
+            <a:r>
+              <a:rPr lang="fr-FR" sz="1800" dirty="0" err="1"/>
+              <a:t>while</a:t>
+            </a:r>
+            <a:r>
+              <a:rPr lang="fr-FR" sz="1800" dirty="0"/>
+              <a:t> pour déplacer le joueur</a:t>
+            </a:r>
+            <a:endParaRPr lang="fr-FR" sz="1600" dirty="0"/>
           </a:p>
         </p:txBody>
       </p:sp>
@@ -13354,7 +13348,7 @@
               <a:buNone/>
             </a:pPr>
             <a:r>
-              <a:rPr lang="fr-FR" sz="2800" dirty="0" smtClean="0">
+              <a:rPr lang="fr-FR" sz="2800" dirty="0">
                 <a:solidFill>
                   <a:schemeClr val="bg1">
                     <a:lumMod val="50000"/>
@@ -13368,7 +13362,7 @@
               <a:t>Classe « </a:t>
             </a:r>
             <a:r>
-              <a:rPr lang="fr-FR" sz="2800" b="1" dirty="0" err="1" smtClean="0">
+              <a:rPr lang="fr-FR" sz="2800" b="1" dirty="0" err="1">
                 <a:solidFill>
                   <a:schemeClr val="bg1">
                     <a:lumMod val="50000"/>
@@ -13382,7 +13376,7 @@
               <a:t>Grid</a:t>
             </a:r>
             <a:r>
-              <a:rPr lang="fr-FR" sz="2800" dirty="0" smtClean="0">
+              <a:rPr lang="fr-FR" sz="2800" dirty="0">
                 <a:solidFill>
                   <a:schemeClr val="bg1">
                     <a:lumMod val="50000"/>
@@ -13436,7 +13430,7 @@
           <a:p>
             <a:pPr lvl="0"/>
             <a:r>
-              <a:rPr lang="fr-FR" sz="1400" b="1" dirty="0" smtClean="0">
+              <a:rPr lang="fr-FR" sz="1400" b="1" dirty="0">
                 <a:solidFill>
                   <a:schemeClr val="dk1"/>
                 </a:solidFill>
@@ -13445,19 +13439,7 @@
                 <a:cs typeface="Calibri"/>
                 <a:sym typeface="Calibri"/>
               </a:rPr>
-              <a:t>P6 </a:t>
-            </a:r>
-            <a:r>
-              <a:rPr lang="fr-FR" sz="1400" b="1" dirty="0">
-                <a:solidFill>
-                  <a:schemeClr val="dk1"/>
-                </a:solidFill>
-                <a:latin typeface="Calibri"/>
-                <a:ea typeface="Calibri"/>
-                <a:cs typeface="Calibri"/>
-                <a:sym typeface="Calibri"/>
-              </a:rPr>
-              <a:t>: </a:t>
+              <a:t>P6 : </a:t>
             </a:r>
             <a:r>
               <a:rPr lang="fr-FR" b="1" dirty="0">
@@ -13470,18 +13452,6 @@
                 <a:sym typeface="Calibri"/>
               </a:rPr>
               <a:t>Créez un jeu de plateau tour par tour en JS</a:t>
-            </a:r>
-            <a:r>
-              <a:rPr lang="fr-FR" sz="1400" b="1" dirty="0">
-                <a:solidFill>
-                  <a:schemeClr val="dk1"/>
-                </a:solidFill>
-                <a:latin typeface="Calibri"/>
-                <a:ea typeface="Calibri"/>
-                <a:cs typeface="Calibri"/>
-                <a:sym typeface="Calibri"/>
-              </a:rPr>
-              <a:t/>
             </a:r>
             <a:br>
               <a:rPr lang="fr-FR" sz="1400" b="1" dirty="0">
@@ -13528,13 +13498,6 @@
   <p:clrMapOvr>
     <a:masterClrMapping/>
   </p:clrMapOvr>
-  <p:timing>
-    <p:tnLst>
-      <p:par>
-        <p:cTn id="1" dur="indefinite" restart="never" nodeType="tmRoot"/>
-      </p:par>
-    </p:tnLst>
-  </p:timing>
 </p:sld>
 </file>
 
@@ -13608,34 +13571,7 @@
                 <a:cs typeface="Quattrocento Sans"/>
                 <a:sym typeface="Quattrocento Sans"/>
               </a:rPr>
-              <a:t>Etape </a:t>
-            </a:r>
-            <a:r>
-              <a:rPr lang="fr-FR" sz="3959" dirty="0" smtClean="0">
-                <a:latin typeface="Quattrocento Sans"/>
-                <a:ea typeface="Quattrocento Sans"/>
-                <a:cs typeface="Quattrocento Sans"/>
-                <a:sym typeface="Quattrocento Sans"/>
-              </a:rPr>
-              <a:t>2 </a:t>
-            </a:r>
-            <a:r>
-              <a:rPr lang="fr-FR" sz="3959" dirty="0">
-                <a:latin typeface="Quattrocento Sans"/>
-                <a:ea typeface="Quattrocento Sans"/>
-                <a:cs typeface="Quattrocento Sans"/>
-                <a:sym typeface="Quattrocento Sans"/>
-              </a:rPr>
-              <a:t>– </a:t>
-            </a:r>
-            <a:r>
-              <a:rPr lang="fr-FR" sz="3959" dirty="0" smtClean="0">
-                <a:latin typeface="Quattrocento Sans"/>
-                <a:ea typeface="Quattrocento Sans"/>
-                <a:cs typeface="Quattrocento Sans"/>
-                <a:sym typeface="Quattrocento Sans"/>
-              </a:rPr>
-              <a:t>Les mouvements</a:t>
+              <a:t>Etape 2 – Les mouvements</a:t>
             </a:r>
             <a:endParaRPr sz="1979" dirty="0">
               <a:latin typeface="Quattrocento Sans"/>
@@ -13700,124 +13636,53 @@
           <a:lstStyle/>
           <a:p>
             <a:r>
-              <a:rPr lang="fr-FR" sz="2200" dirty="0" smtClean="0"/>
+              <a:rPr lang="fr-FR" sz="2200" dirty="0"/>
               <a:t>Méthode </a:t>
             </a:r>
             <a:r>
-              <a:rPr lang="fr-FR" sz="2200" dirty="0" err="1" smtClean="0"/>
-              <a:t>checkAvailableMoveCase</a:t>
-            </a:r>
-            <a:r>
-              <a:rPr lang="fr-FR" sz="2200" dirty="0" smtClean="0"/>
+              <a:rPr lang="fr-FR" sz="2200" dirty="0" err="1"/>
+              <a:t>moveClick</a:t>
+            </a:r>
+            <a:r>
+              <a:rPr lang="fr-FR" sz="2200" dirty="0"/>
               <a:t>() :</a:t>
             </a:r>
           </a:p>
           <a:p>
             <a:pPr lvl="1"/>
             <a:r>
-              <a:rPr lang="fr-FR" sz="1800" dirty="0" smtClean="0"/>
-              <a:t>Parcourt le tableau </a:t>
-            </a:r>
-            <a:r>
-              <a:rPr lang="fr-FR" sz="1800" dirty="0" err="1" smtClean="0"/>
-              <a:t>grid</a:t>
-            </a:r>
-            <a:r>
-              <a:rPr lang="fr-FR" sz="1800" dirty="0" smtClean="0"/>
-              <a:t> en recherchant la position des deux joueurs</a:t>
+              <a:rPr lang="fr-FR" sz="1800" dirty="0"/>
+              <a:t>Permet aussi de changer l’arme courante du joueur</a:t>
             </a:r>
           </a:p>
           <a:p>
             <a:pPr lvl="1"/>
             <a:r>
-              <a:rPr lang="fr-FR" sz="1800" dirty="0" smtClean="0"/>
-              <a:t>Récupérer les positions adjacentes aux joueurs</a:t>
-            </a:r>
-          </a:p>
-          <a:p>
-            <a:pPr lvl="1"/>
-            <a:r>
-              <a:rPr lang="fr-FR" sz="1800" dirty="0" smtClean="0"/>
-              <a:t>Boucle </a:t>
-            </a:r>
-            <a:r>
-              <a:rPr lang="fr-FR" sz="1800" dirty="0" err="1" smtClean="0"/>
+              <a:rPr lang="fr-FR" sz="1800" dirty="0"/>
+              <a:t>Dans la boucle </a:t>
+            </a:r>
+            <a:r>
+              <a:rPr lang="fr-FR" sz="1800" dirty="0" err="1"/>
               <a:t>while</a:t>
             </a:r>
             <a:r>
-              <a:rPr lang="fr-FR" sz="1800" dirty="0" smtClean="0"/>
-              <a:t> avec une variable « </a:t>
-            </a:r>
-            <a:r>
-              <a:rPr lang="fr-FR" sz="1800" dirty="0" err="1" smtClean="0"/>
-              <a:t>limit</a:t>
-            </a:r>
-            <a:r>
-              <a:rPr lang="fr-FR" sz="1800" dirty="0" smtClean="0"/>
-              <a:t> » égal à 3 (pour obtenir 3 cases de mouvement)</a:t>
-            </a:r>
-          </a:p>
-          <a:p>
-            <a:pPr lvl="1"/>
-            <a:r>
-              <a:rPr lang="fr-FR" sz="1800" dirty="0" smtClean="0"/>
-              <a:t>Vérifie si les positions adjacentes sont bien accessibles</a:t>
-            </a:r>
-          </a:p>
-          <a:p>
-            <a:pPr lvl="1"/>
-            <a:r>
-              <a:rPr lang="fr-FR" sz="1800" dirty="0" smtClean="0"/>
-              <a:t>Actualise la propriété </a:t>
-            </a:r>
-            <a:r>
-              <a:rPr lang="fr-FR" sz="1800" dirty="0" err="1" smtClean="0"/>
-              <a:t>availableMoveCase</a:t>
-            </a:r>
-            <a:r>
-              <a:rPr lang="fr-FR" sz="1800" dirty="0" smtClean="0"/>
-              <a:t> dans le tableau </a:t>
-            </a:r>
-            <a:r>
-              <a:rPr lang="fr-FR" sz="1800" dirty="0" err="1" smtClean="0"/>
-              <a:t>grid</a:t>
-            </a:r>
-            <a:r>
-              <a:rPr lang="fr-FR" sz="1800" dirty="0" smtClean="0"/>
-              <a:t> de chaque position adjacente</a:t>
-            </a:r>
-          </a:p>
-          <a:p>
-            <a:r>
-              <a:rPr lang="fr-FR" sz="2200" dirty="0" smtClean="0"/>
-              <a:t>Méthode </a:t>
-            </a:r>
-            <a:r>
-              <a:rPr lang="fr-FR" sz="2200" dirty="0" err="1" smtClean="0"/>
-              <a:t>movePlayer</a:t>
-            </a:r>
-            <a:r>
-              <a:rPr lang="fr-FR" sz="2200" dirty="0" smtClean="0"/>
-              <a:t>()</a:t>
-            </a:r>
-          </a:p>
-          <a:p>
-            <a:pPr lvl="1"/>
-            <a:r>
-              <a:rPr lang="fr-FR" sz="1800" dirty="0" smtClean="0"/>
-              <a:t>En HTML, détecte le click sur une case de mouvement au niveau de la grille de jeu</a:t>
-            </a:r>
-          </a:p>
-          <a:p>
-            <a:pPr lvl="1"/>
-            <a:r>
-              <a:rPr lang="fr-FR" sz="1800" dirty="0" smtClean="0"/>
-              <a:t>Utilisation de deux variables locales pour stocker les coordonnées du clic</a:t>
-            </a:r>
-          </a:p>
-          <a:p>
-            <a:pPr lvl="1"/>
-            <a:endParaRPr lang="fr-FR" sz="1800" dirty="0" smtClean="0"/>
+              <a:rPr lang="fr-FR" sz="1800" dirty="0"/>
+              <a:t> qui déplace le joueur on rajoute une condition qui vérifie la case actuel du joueur : si la case contient une arme :</a:t>
+            </a:r>
+          </a:p>
+          <a:p>
+            <a:pPr lvl="2"/>
+            <a:r>
+              <a:rPr lang="fr-FR" sz="1800" dirty="0"/>
+              <a:t>L’ancienne arme remplace la nouvelle arme sur la grille</a:t>
+            </a:r>
+          </a:p>
+          <a:p>
+            <a:pPr lvl="2"/>
+            <a:r>
+              <a:rPr lang="fr-FR" sz="1800" dirty="0"/>
+              <a:t>La nouvelle arme remplace l’ancienne arme en tant qu’arme courante du joueur</a:t>
+            </a:r>
           </a:p>
         </p:txBody>
       </p:sp>
@@ -14100,7 +13965,7 @@
               <a:buNone/>
             </a:pPr>
             <a:r>
-              <a:rPr lang="fr-FR" sz="2800" dirty="0" smtClean="0">
+              <a:rPr lang="fr-FR" sz="2800" dirty="0">
                 <a:solidFill>
                   <a:schemeClr val="bg1">
                     <a:lumMod val="50000"/>
@@ -14114,7 +13979,7 @@
               <a:t>Classe « </a:t>
             </a:r>
             <a:r>
-              <a:rPr lang="fr-FR" sz="2800" b="1" dirty="0" err="1" smtClean="0">
+              <a:rPr lang="fr-FR" sz="2800" b="1" dirty="0" err="1">
                 <a:solidFill>
                   <a:schemeClr val="bg1">
                     <a:lumMod val="50000"/>
@@ -14128,7 +13993,7 @@
               <a:t>Grid</a:t>
             </a:r>
             <a:r>
-              <a:rPr lang="fr-FR" sz="2800" dirty="0" smtClean="0">
+              <a:rPr lang="fr-FR" sz="2800" dirty="0">
                 <a:solidFill>
                   <a:schemeClr val="bg1">
                     <a:lumMod val="50000"/>
@@ -14182,7 +14047,7 @@
           <a:p>
             <a:pPr lvl="0"/>
             <a:r>
-              <a:rPr lang="fr-FR" sz="1400" b="1" dirty="0" smtClean="0">
+              <a:rPr lang="fr-FR" sz="1400" b="1" dirty="0">
                 <a:solidFill>
                   <a:schemeClr val="dk1"/>
                 </a:solidFill>
@@ -14191,19 +14056,7 @@
                 <a:cs typeface="Calibri"/>
                 <a:sym typeface="Calibri"/>
               </a:rPr>
-              <a:t>P6 </a:t>
-            </a:r>
-            <a:r>
-              <a:rPr lang="fr-FR" sz="1400" b="1" dirty="0">
-                <a:solidFill>
-                  <a:schemeClr val="dk1"/>
-                </a:solidFill>
-                <a:latin typeface="Calibri"/>
-                <a:ea typeface="Calibri"/>
-                <a:cs typeface="Calibri"/>
-                <a:sym typeface="Calibri"/>
-              </a:rPr>
-              <a:t>: </a:t>
+              <a:t>P6 : </a:t>
             </a:r>
             <a:r>
               <a:rPr lang="fr-FR" b="1" dirty="0">
@@ -14216,18 +14069,6 @@
                 <a:sym typeface="Calibri"/>
               </a:rPr>
               <a:t>Créez un jeu de plateau tour par tour en JS</a:t>
-            </a:r>
-            <a:r>
-              <a:rPr lang="fr-FR" sz="1400" b="1" dirty="0">
-                <a:solidFill>
-                  <a:schemeClr val="dk1"/>
-                </a:solidFill>
-                <a:latin typeface="Calibri"/>
-                <a:ea typeface="Calibri"/>
-                <a:cs typeface="Calibri"/>
-                <a:sym typeface="Calibri"/>
-              </a:rPr>
-              <a:t/>
             </a:r>
             <a:br>
               <a:rPr lang="fr-FR" sz="1400" b="1" dirty="0">
@@ -14274,13 +14115,6 @@
   <p:clrMapOvr>
     <a:masterClrMapping/>
   </p:clrMapOvr>
-  <p:timing>
-    <p:tnLst>
-      <p:par>
-        <p:cTn id="1" dur="indefinite" restart="never" nodeType="tmRoot"/>
-      </p:par>
-    </p:tnLst>
-  </p:timing>
 </p:sld>
 </file>
 
@@ -14354,34 +14188,7 @@
                 <a:cs typeface="Quattrocento Sans"/>
                 <a:sym typeface="Quattrocento Sans"/>
               </a:rPr>
-              <a:t>Etape </a:t>
-            </a:r>
-            <a:r>
-              <a:rPr lang="fr-FR" sz="3959" dirty="0" smtClean="0">
-                <a:latin typeface="Quattrocento Sans"/>
-                <a:ea typeface="Quattrocento Sans"/>
-                <a:cs typeface="Quattrocento Sans"/>
-                <a:sym typeface="Quattrocento Sans"/>
-              </a:rPr>
-              <a:t>2 </a:t>
-            </a:r>
-            <a:r>
-              <a:rPr lang="fr-FR" sz="3959" dirty="0">
-                <a:latin typeface="Quattrocento Sans"/>
-                <a:ea typeface="Quattrocento Sans"/>
-                <a:cs typeface="Quattrocento Sans"/>
-                <a:sym typeface="Quattrocento Sans"/>
-              </a:rPr>
-              <a:t>– </a:t>
-            </a:r>
-            <a:r>
-              <a:rPr lang="fr-FR" sz="3959" dirty="0" smtClean="0">
-                <a:latin typeface="Quattrocento Sans"/>
-                <a:ea typeface="Quattrocento Sans"/>
-                <a:cs typeface="Quattrocento Sans"/>
-                <a:sym typeface="Quattrocento Sans"/>
-              </a:rPr>
-              <a:t>Les mouvements</a:t>
+              <a:t>Etape 2 – Les mouvements</a:t>
             </a:r>
             <a:endParaRPr sz="1979" dirty="0">
               <a:latin typeface="Quattrocento Sans"/>
@@ -14446,114 +14253,114 @@
           <a:lstStyle/>
           <a:p>
             <a:r>
-              <a:rPr lang="fr-FR" sz="2000" dirty="0" smtClean="0"/>
+              <a:rPr lang="fr-FR" sz="2000" dirty="0"/>
               <a:t>A chaque mouvement, la grille est « rechargée » en HTML</a:t>
             </a:r>
           </a:p>
           <a:p>
             <a:pPr lvl="1"/>
             <a:r>
-              <a:rPr lang="fr-FR" sz="1600" dirty="0" smtClean="0"/>
+              <a:rPr lang="fr-FR" sz="1600" dirty="0"/>
               <a:t>Recréer la grille avec le tableau </a:t>
             </a:r>
             <a:r>
-              <a:rPr lang="fr-FR" sz="1600" dirty="0" err="1" smtClean="0"/>
+              <a:rPr lang="fr-FR" sz="1600" dirty="0" err="1"/>
               <a:t>grid</a:t>
             </a:r>
             <a:r>
-              <a:rPr lang="fr-FR" sz="1600" dirty="0" smtClean="0"/>
+              <a:rPr lang="fr-FR" sz="1600" dirty="0"/>
               <a:t> actualisé</a:t>
             </a:r>
           </a:p>
           <a:p>
             <a:r>
-              <a:rPr lang="fr-FR" sz="2000" dirty="0" smtClean="0"/>
+              <a:rPr lang="fr-FR" sz="2000" dirty="0"/>
               <a:t>Méthode </a:t>
             </a:r>
             <a:r>
-              <a:rPr lang="fr-FR" sz="2000" dirty="0" err="1" smtClean="0"/>
+              <a:rPr lang="fr-FR" sz="2000" dirty="0" err="1"/>
               <a:t>whosNext</a:t>
             </a:r>
             <a:r>
-              <a:rPr lang="fr-FR" sz="2000" dirty="0" smtClean="0"/>
+              <a:rPr lang="fr-FR" sz="2000" dirty="0"/>
               <a:t>() : </a:t>
             </a:r>
           </a:p>
           <a:p>
             <a:pPr lvl="1"/>
             <a:r>
-              <a:rPr lang="fr-FR" sz="1600" dirty="0" smtClean="0"/>
+              <a:rPr lang="fr-FR" sz="1600" dirty="0"/>
               <a:t>Appelée à chaque rechargement pour savoir quel joueur doit joué</a:t>
             </a:r>
           </a:p>
           <a:p>
             <a:pPr lvl="1"/>
             <a:r>
-              <a:rPr lang="fr-FR" sz="1600" dirty="0" smtClean="0"/>
+              <a:rPr lang="fr-FR" sz="1600" dirty="0"/>
               <a:t>Utilisation d’une variable locale « count » (par défaut, elle vaut 0)</a:t>
             </a:r>
           </a:p>
           <a:p>
             <a:pPr lvl="1"/>
             <a:r>
-              <a:rPr lang="fr-FR" sz="1600" dirty="0" smtClean="0"/>
+              <a:rPr lang="fr-FR" sz="1600" dirty="0"/>
               <a:t>Variable locale = y avoir accès dans tout le projet facilement</a:t>
             </a:r>
-            <a:endParaRPr lang="fr-FR" sz="1200" dirty="0" smtClean="0"/>
-          </a:p>
-          <a:p>
-            <a:r>
-              <a:rPr lang="fr-FR" sz="2000" dirty="0" smtClean="0"/>
+            <a:endParaRPr lang="fr-FR" sz="1200" dirty="0"/>
+          </a:p>
+          <a:p>
+            <a:r>
+              <a:rPr lang="fr-FR" sz="2000" dirty="0"/>
               <a:t>Explications de « count » :</a:t>
             </a:r>
           </a:p>
           <a:p>
             <a:pPr lvl="1"/>
             <a:r>
-              <a:rPr lang="fr-FR" sz="1600" dirty="0" smtClean="0"/>
+              <a:rPr lang="fr-FR" sz="1600" dirty="0"/>
               <a:t>A chaque fois qu’un joueur bouge, on incrémente la valeur de la variable de 1</a:t>
             </a:r>
           </a:p>
           <a:p>
             <a:pPr lvl="1"/>
             <a:r>
-              <a:rPr lang="fr-FR" sz="1600" dirty="0" smtClean="0"/>
+              <a:rPr lang="fr-FR" sz="1600" dirty="0"/>
               <a:t>Puis la méthode </a:t>
             </a:r>
             <a:r>
-              <a:rPr lang="fr-FR" sz="1600" dirty="0" err="1" smtClean="0"/>
+              <a:rPr lang="fr-FR" sz="1600" dirty="0" err="1"/>
               <a:t>whosNext</a:t>
             </a:r>
             <a:r>
-              <a:rPr lang="fr-FR" sz="1600" dirty="0" smtClean="0"/>
+              <a:rPr lang="fr-FR" sz="1600" dirty="0"/>
               <a:t>() applique les conditions suivantes :</a:t>
             </a:r>
           </a:p>
           <a:p>
             <a:pPr lvl="2"/>
             <a:r>
-              <a:rPr lang="fr-FR" sz="1400" dirty="0" smtClean="0"/>
+              <a:rPr lang="fr-FR" sz="1400" dirty="0"/>
               <a:t>Si count modulo 2 est égal à 0 : c’est le tour du joueur 1</a:t>
             </a:r>
           </a:p>
           <a:p>
             <a:pPr lvl="2"/>
             <a:r>
-              <a:rPr lang="fr-FR" sz="1400" dirty="0" smtClean="0"/>
+              <a:rPr lang="fr-FR" sz="1400" dirty="0"/>
               <a:t>Sinon, c’est le tour du joueur 2</a:t>
             </a:r>
           </a:p>
           <a:p>
             <a:r>
-              <a:rPr lang="fr-FR" sz="2200" dirty="0" smtClean="0"/>
+              <a:rPr lang="fr-FR" sz="2200" dirty="0"/>
               <a:t>Méthode </a:t>
             </a:r>
             <a:r>
-              <a:rPr lang="fr-FR" sz="2200" dirty="0" err="1" smtClean="0"/>
+              <a:rPr lang="fr-FR" sz="2200" dirty="0" err="1"/>
               <a:t>sendGridToFront</a:t>
             </a:r>
             <a:r>
-              <a:rPr lang="fr-FR" sz="2200" dirty="0" smtClean="0"/>
+              <a:rPr lang="fr-FR" sz="2200" dirty="0"/>
               <a:t> : </a:t>
             </a:r>
           </a:p>
@@ -14561,13 +14368,9 @@
             <a:pPr lvl="1"/>
             <a:r>
               <a:rPr lang="fr-FR" sz="1800" dirty="0"/>
-              <a:t>R</a:t>
-            </a:r>
-            <a:r>
-              <a:rPr lang="fr-FR" sz="1800" dirty="0" smtClean="0"/>
-              <a:t>echargement de la carte</a:t>
-            </a:r>
-            <a:endParaRPr lang="fr-FR" sz="1400" dirty="0" smtClean="0"/>
+              <a:t>Rechargement de la carte</a:t>
+            </a:r>
+            <a:endParaRPr lang="fr-FR" sz="1400" dirty="0"/>
           </a:p>
           <a:p>
             <a:pPr lvl="1"/>
@@ -14854,7 +14657,7 @@
               <a:buNone/>
             </a:pPr>
             <a:r>
-              <a:rPr lang="fr-FR" sz="2800" dirty="0" smtClean="0">
+              <a:rPr lang="fr-FR" sz="2800" dirty="0">
                 <a:solidFill>
                   <a:schemeClr val="bg1">
                     <a:lumMod val="50000"/>
@@ -14868,7 +14671,7 @@
               <a:t>Classe « </a:t>
             </a:r>
             <a:r>
-              <a:rPr lang="fr-FR" sz="2800" b="1" dirty="0" err="1" smtClean="0">
+              <a:rPr lang="fr-FR" sz="2800" b="1" dirty="0" err="1">
                 <a:solidFill>
                   <a:schemeClr val="bg1">
                     <a:lumMod val="50000"/>
@@ -14882,7 +14685,7 @@
               <a:t>Grid</a:t>
             </a:r>
             <a:r>
-              <a:rPr lang="fr-FR" sz="2800" dirty="0" smtClean="0">
+              <a:rPr lang="fr-FR" sz="2800" dirty="0">
                 <a:solidFill>
                   <a:schemeClr val="bg1">
                     <a:lumMod val="50000"/>
@@ -14936,7 +14739,7 @@
           <a:p>
             <a:pPr lvl="0"/>
             <a:r>
-              <a:rPr lang="fr-FR" sz="1400" b="1" dirty="0" smtClean="0">
+              <a:rPr lang="fr-FR" sz="1400" b="1" dirty="0">
                 <a:solidFill>
                   <a:schemeClr val="dk1"/>
                 </a:solidFill>
@@ -14945,19 +14748,7 @@
                 <a:cs typeface="Calibri"/>
                 <a:sym typeface="Calibri"/>
               </a:rPr>
-              <a:t>P6 </a:t>
-            </a:r>
-            <a:r>
-              <a:rPr lang="fr-FR" sz="1400" b="1" dirty="0">
-                <a:solidFill>
-                  <a:schemeClr val="dk1"/>
-                </a:solidFill>
-                <a:latin typeface="Calibri"/>
-                <a:ea typeface="Calibri"/>
-                <a:cs typeface="Calibri"/>
-                <a:sym typeface="Calibri"/>
-              </a:rPr>
-              <a:t>: </a:t>
+              <a:t>P6 : </a:t>
             </a:r>
             <a:r>
               <a:rPr lang="fr-FR" b="1" dirty="0">
@@ -14970,18 +14761,6 @@
                 <a:sym typeface="Calibri"/>
               </a:rPr>
               <a:t>Créez un jeu de plateau tour par tour en JS</a:t>
-            </a:r>
-            <a:r>
-              <a:rPr lang="fr-FR" sz="1400" b="1" dirty="0">
-                <a:solidFill>
-                  <a:schemeClr val="dk1"/>
-                </a:solidFill>
-                <a:latin typeface="Calibri"/>
-                <a:ea typeface="Calibri"/>
-                <a:cs typeface="Calibri"/>
-                <a:sym typeface="Calibri"/>
-              </a:rPr>
-              <a:t/>
             </a:r>
             <a:br>
               <a:rPr lang="fr-FR" sz="1400" b="1" dirty="0">
@@ -15028,13 +14807,6 @@
   <p:clrMapOvr>
     <a:masterClrMapping/>
   </p:clrMapOvr>
-  <p:timing>
-    <p:tnLst>
-      <p:par>
-        <p:cTn id="1" dur="indefinite" restart="never" nodeType="tmRoot"/>
-      </p:par>
-    </p:tnLst>
-  </p:timing>
 </p:sld>
 </file>
 
@@ -15108,43 +14880,7 @@
                 <a:cs typeface="Quattrocento Sans"/>
                 <a:sym typeface="Quattrocento Sans"/>
               </a:rPr>
-              <a:t>Etape </a:t>
-            </a:r>
-            <a:r>
-              <a:rPr lang="fr-FR" sz="3959" dirty="0">
-                <a:latin typeface="Quattrocento Sans"/>
-                <a:ea typeface="Quattrocento Sans"/>
-                <a:cs typeface="Quattrocento Sans"/>
-                <a:sym typeface="Quattrocento Sans"/>
-              </a:rPr>
-              <a:t>3</a:t>
-            </a:r>
-            <a:r>
-              <a:rPr lang="fr-FR" sz="3959" dirty="0" smtClean="0">
-                <a:latin typeface="Quattrocento Sans"/>
-                <a:ea typeface="Quattrocento Sans"/>
-                <a:cs typeface="Quattrocento Sans"/>
-                <a:sym typeface="Quattrocento Sans"/>
-              </a:rPr>
-              <a:t> </a:t>
-            </a:r>
-            <a:r>
-              <a:rPr lang="fr-FR" sz="3959" dirty="0">
-                <a:latin typeface="Quattrocento Sans"/>
-                <a:ea typeface="Quattrocento Sans"/>
-                <a:cs typeface="Quattrocento Sans"/>
-                <a:sym typeface="Quattrocento Sans"/>
-              </a:rPr>
-              <a:t>– </a:t>
-            </a:r>
-            <a:r>
-              <a:rPr lang="fr-FR" sz="3959" dirty="0" smtClean="0">
-                <a:latin typeface="Quattrocento Sans"/>
-                <a:ea typeface="Quattrocento Sans"/>
-                <a:cs typeface="Quattrocento Sans"/>
-                <a:sym typeface="Quattrocento Sans"/>
-              </a:rPr>
-              <a:t>Le combat</a:t>
+              <a:t>Etape 3 – Le combat</a:t>
             </a:r>
             <a:endParaRPr sz="1979" dirty="0">
               <a:latin typeface="Quattrocento Sans"/>
@@ -15208,6 +14944,93 @@
           <a:bodyPr/>
           <a:lstStyle/>
           <a:p>
+            <a:r>
+              <a:rPr lang="fr-FR" dirty="0"/>
+              <a:t>Méthode </a:t>
+            </a:r>
+            <a:r>
+              <a:rPr lang="fr-FR" dirty="0" err="1"/>
+              <a:t>checkClosePlayers</a:t>
+            </a:r>
+            <a:r>
+              <a:rPr lang="fr-FR" dirty="0"/>
+              <a:t>()</a:t>
+            </a:r>
+          </a:p>
+          <a:p>
+            <a:pPr lvl="1"/>
+            <a:r>
+              <a:rPr lang="fr-FR" dirty="0"/>
+              <a:t>Vérifie à chaque tour si les joueurs sont sur des cases adjacentes</a:t>
+            </a:r>
+          </a:p>
+          <a:p>
+            <a:pPr lvl="1"/>
+            <a:r>
+              <a:rPr lang="fr-FR" dirty="0"/>
+              <a:t>Renvoi une variable </a:t>
+            </a:r>
+            <a:r>
+              <a:rPr lang="fr-FR" dirty="0" err="1"/>
+              <a:t>startBattle</a:t>
+            </a:r>
+            <a:r>
+              <a:rPr lang="fr-FR" dirty="0"/>
+              <a:t> utilisée dans la méthode </a:t>
+            </a:r>
+            <a:r>
+              <a:rPr lang="fr-FR" dirty="0" err="1"/>
+              <a:t>whosNext</a:t>
+            </a:r>
+            <a:r>
+              <a:rPr lang="fr-FR" dirty="0"/>
+              <a:t>() pour lancer le combat</a:t>
+            </a:r>
+          </a:p>
+          <a:p>
+            <a:r>
+              <a:rPr lang="fr-FR" dirty="0"/>
+              <a:t>Méthode </a:t>
+            </a:r>
+            <a:r>
+              <a:rPr lang="fr-FR" dirty="0" err="1"/>
+              <a:t>startBattle</a:t>
+            </a:r>
+            <a:r>
+              <a:rPr lang="fr-FR" dirty="0"/>
+              <a:t>() :</a:t>
+            </a:r>
+          </a:p>
+          <a:p>
+            <a:pPr lvl="1"/>
+            <a:r>
+              <a:rPr lang="fr-FR" dirty="0"/>
+              <a:t>Gère le combat entre les joueurs</a:t>
+            </a:r>
+          </a:p>
+          <a:p>
+            <a:pPr lvl="1"/>
+            <a:r>
+              <a:rPr lang="fr-FR" dirty="0"/>
+              <a:t>Utilise la variable locale « count » : tour par tour</a:t>
+            </a:r>
+          </a:p>
+          <a:p>
+            <a:pPr lvl="1"/>
+            <a:r>
+              <a:rPr lang="fr-FR" dirty="0"/>
+              <a:t>Utilise des fonctions « attaque() » et « </a:t>
+            </a:r>
+            <a:r>
+              <a:rPr lang="fr-FR" dirty="0" err="1"/>
+              <a:t>defense</a:t>
+            </a:r>
+            <a:r>
+              <a:rPr lang="fr-FR" dirty="0"/>
+              <a:t>() »</a:t>
+            </a:r>
+          </a:p>
+          <a:p>
             <a:endParaRPr lang="fr-FR" dirty="0"/>
           </a:p>
         </p:txBody>
@@ -15491,7 +15314,7 @@
               <a:buNone/>
             </a:pPr>
             <a:r>
-              <a:rPr lang="fr-FR" sz="2800" dirty="0" smtClean="0">
+              <a:rPr lang="fr-FR" sz="2800" dirty="0">
                 <a:solidFill>
                   <a:schemeClr val="bg1">
                     <a:lumMod val="50000"/>
@@ -15505,7 +15328,7 @@
               <a:t>Classe « </a:t>
             </a:r>
             <a:r>
-              <a:rPr lang="fr-FR" sz="2800" b="1" dirty="0" err="1" smtClean="0">
+              <a:rPr lang="fr-FR" sz="2800" b="1" dirty="0" err="1">
                 <a:solidFill>
                   <a:schemeClr val="bg1">
                     <a:lumMod val="50000"/>
@@ -15519,7 +15342,7 @@
               <a:t>Grid</a:t>
             </a:r>
             <a:r>
-              <a:rPr lang="fr-FR" sz="2800" dirty="0" smtClean="0">
+              <a:rPr lang="fr-FR" sz="2800" dirty="0">
                 <a:solidFill>
                   <a:schemeClr val="bg1">
                     <a:lumMod val="50000"/>
@@ -15573,7 +15396,7 @@
           <a:p>
             <a:pPr lvl="0"/>
             <a:r>
-              <a:rPr lang="fr-FR" sz="1400" b="1" dirty="0" smtClean="0">
+              <a:rPr lang="fr-FR" sz="1400" b="1" dirty="0">
                 <a:solidFill>
                   <a:schemeClr val="dk1"/>
                 </a:solidFill>
@@ -15582,19 +15405,7 @@
                 <a:cs typeface="Calibri"/>
                 <a:sym typeface="Calibri"/>
               </a:rPr>
-              <a:t>P6 </a:t>
-            </a:r>
-            <a:r>
-              <a:rPr lang="fr-FR" sz="1400" b="1" dirty="0">
-                <a:solidFill>
-                  <a:schemeClr val="dk1"/>
-                </a:solidFill>
-                <a:latin typeface="Calibri"/>
-                <a:ea typeface="Calibri"/>
-                <a:cs typeface="Calibri"/>
-                <a:sym typeface="Calibri"/>
-              </a:rPr>
-              <a:t>: </a:t>
+              <a:t>P6 : </a:t>
             </a:r>
             <a:r>
               <a:rPr lang="fr-FR" b="1" dirty="0">
@@ -15607,18 +15418,6 @@
                 <a:sym typeface="Calibri"/>
               </a:rPr>
               <a:t>Créez un jeu de plateau tour par tour en JS</a:t>
-            </a:r>
-            <a:r>
-              <a:rPr lang="fr-FR" sz="1400" b="1" dirty="0">
-                <a:solidFill>
-                  <a:schemeClr val="dk1"/>
-                </a:solidFill>
-                <a:latin typeface="Calibri"/>
-                <a:ea typeface="Calibri"/>
-                <a:cs typeface="Calibri"/>
-                <a:sym typeface="Calibri"/>
-              </a:rPr>
-              <a:t/>
             </a:r>
             <a:br>
               <a:rPr lang="fr-FR" sz="1400" b="1" dirty="0">
@@ -15665,13 +15464,6 @@
   <p:clrMapOvr>
     <a:masterClrMapping/>
   </p:clrMapOvr>
-  <p:timing>
-    <p:tnLst>
-      <p:par>
-        <p:cTn id="1" dur="indefinite" restart="never" nodeType="tmRoot"/>
-      </p:par>
-    </p:tnLst>
-  </p:timing>
 </p:sld>
 </file>
 
@@ -15739,7 +15531,7 @@
               <a:buNone/>
             </a:pPr>
             <a:r>
-              <a:rPr lang="fr-FR" sz="3959" dirty="0" smtClean="0">
+              <a:rPr lang="fr-FR" sz="3959" dirty="0">
                 <a:latin typeface="Quattrocento Sans"/>
                 <a:ea typeface="Quattrocento Sans"/>
                 <a:cs typeface="Quattrocento Sans"/>
@@ -15809,7 +15601,52 @@
           <a:bodyPr/>
           <a:lstStyle/>
           <a:p>
-            <a:endParaRPr lang="fr-FR" dirty="0"/>
+            <a:r>
+              <a:rPr lang="fr-FR" dirty="0"/>
+              <a:t>Méthode init() :</a:t>
+            </a:r>
+          </a:p>
+          <a:p>
+            <a:pPr lvl="1"/>
+            <a:r>
+              <a:rPr lang="fr-FR" dirty="0"/>
+              <a:t>Récupère les informations rentrées par les utilisateurs :</a:t>
+            </a:r>
+          </a:p>
+          <a:p>
+            <a:pPr lvl="2"/>
+            <a:r>
+              <a:rPr lang="fr-FR" dirty="0"/>
+              <a:t>Choix du nom des joueurs</a:t>
+            </a:r>
+          </a:p>
+          <a:p>
+            <a:pPr lvl="2"/>
+            <a:r>
+              <a:rPr lang="fr-FR" dirty="0"/>
+              <a:t>Choix du nombre de cases de la grille</a:t>
+            </a:r>
+          </a:p>
+          <a:p>
+            <a:pPr lvl="2"/>
+            <a:r>
+              <a:rPr lang="fr-FR" dirty="0"/>
+              <a:t>Choix du nombre d’obstacle</a:t>
+            </a:r>
+          </a:p>
+          <a:p>
+            <a:pPr lvl="2"/>
+            <a:r>
+              <a:rPr lang="fr-FR" dirty="0"/>
+              <a:t>Choix du nombre d’arme</a:t>
+            </a:r>
+          </a:p>
+          <a:p>
+            <a:pPr lvl="1"/>
+            <a:r>
+              <a:rPr lang="fr-FR" dirty="0"/>
+              <a:t>Chaque information est transmis de la même façon que la classe Default</a:t>
+            </a:r>
           </a:p>
         </p:txBody>
       </p:sp>
@@ -16092,7 +15929,7 @@
               <a:buNone/>
             </a:pPr>
             <a:r>
-              <a:rPr lang="fr-FR" sz="2800" dirty="0" smtClean="0">
+              <a:rPr lang="fr-FR" sz="2800" dirty="0">
                 <a:solidFill>
                   <a:schemeClr val="bg1">
                     <a:lumMod val="50000"/>
@@ -16106,7 +15943,7 @@
               <a:t>Classe « </a:t>
             </a:r>
             <a:r>
-              <a:rPr lang="fr-FR" sz="2800" b="1" dirty="0" smtClean="0">
+              <a:rPr lang="fr-FR" sz="2800" b="1" dirty="0">
                 <a:solidFill>
                   <a:schemeClr val="bg1">
                     <a:lumMod val="50000"/>
@@ -16120,7 +15957,7 @@
               <a:t>Custom</a:t>
             </a:r>
             <a:r>
-              <a:rPr lang="fr-FR" sz="2800" dirty="0" smtClean="0">
+              <a:rPr lang="fr-FR" sz="2800" dirty="0">
                 <a:solidFill>
                   <a:schemeClr val="bg1">
                     <a:lumMod val="50000"/>
@@ -16174,7 +16011,7 @@
           <a:p>
             <a:pPr lvl="0"/>
             <a:r>
-              <a:rPr lang="fr-FR" sz="1400" b="1" dirty="0" smtClean="0">
+              <a:rPr lang="fr-FR" sz="1400" b="1" dirty="0">
                 <a:solidFill>
                   <a:schemeClr val="dk1"/>
                 </a:solidFill>
@@ -16183,19 +16020,7 @@
                 <a:cs typeface="Calibri"/>
                 <a:sym typeface="Calibri"/>
               </a:rPr>
-              <a:t>P6 </a:t>
-            </a:r>
-            <a:r>
-              <a:rPr lang="fr-FR" sz="1400" b="1" dirty="0">
-                <a:solidFill>
-                  <a:schemeClr val="dk1"/>
-                </a:solidFill>
-                <a:latin typeface="Calibri"/>
-                <a:ea typeface="Calibri"/>
-                <a:cs typeface="Calibri"/>
-                <a:sym typeface="Calibri"/>
-              </a:rPr>
-              <a:t>: </a:t>
+              <a:t>P6 : </a:t>
             </a:r>
             <a:r>
               <a:rPr lang="fr-FR" b="1" dirty="0">
@@ -16208,18 +16033,6 @@
                 <a:sym typeface="Calibri"/>
               </a:rPr>
               <a:t>Créez un jeu de plateau tour par tour en JS</a:t>
-            </a:r>
-            <a:r>
-              <a:rPr lang="fr-FR" sz="1400" b="1" dirty="0">
-                <a:solidFill>
-                  <a:schemeClr val="dk1"/>
-                </a:solidFill>
-                <a:latin typeface="Calibri"/>
-                <a:ea typeface="Calibri"/>
-                <a:cs typeface="Calibri"/>
-                <a:sym typeface="Calibri"/>
-              </a:rPr>
-              <a:t/>
             </a:r>
             <a:br>
               <a:rPr lang="fr-FR" sz="1400" b="1" dirty="0">
@@ -16333,7 +16146,7 @@
               <a:buNone/>
             </a:pPr>
             <a:r>
-              <a:rPr lang="fr-FR" sz="3959" dirty="0" smtClean="0">
+              <a:rPr lang="fr-FR" sz="3959" dirty="0">
                 <a:latin typeface="Quattrocento Sans"/>
                 <a:ea typeface="Quattrocento Sans"/>
                 <a:cs typeface="Quattrocento Sans"/>
@@ -16377,7 +16190,7 @@
           <a:p>
             <a:pPr lvl="0"/>
             <a:r>
-              <a:rPr lang="fr-FR" sz="1400" b="1" dirty="0" smtClean="0">
+              <a:rPr lang="fr-FR" sz="1400" b="1" dirty="0">
                 <a:solidFill>
                   <a:schemeClr val="dk1"/>
                 </a:solidFill>
@@ -16386,19 +16199,7 @@
                 <a:cs typeface="Calibri"/>
                 <a:sym typeface="Calibri"/>
               </a:rPr>
-              <a:t>P6 </a:t>
-            </a:r>
-            <a:r>
-              <a:rPr lang="fr-FR" sz="1400" b="1" dirty="0">
-                <a:solidFill>
-                  <a:schemeClr val="dk1"/>
-                </a:solidFill>
-                <a:latin typeface="Calibri"/>
-                <a:ea typeface="Calibri"/>
-                <a:cs typeface="Calibri"/>
-                <a:sym typeface="Calibri"/>
-              </a:rPr>
-              <a:t>: </a:t>
+              <a:t>P6 : </a:t>
             </a:r>
             <a:r>
               <a:rPr lang="fr-FR" b="1" dirty="0">
@@ -16411,18 +16212,6 @@
                 <a:sym typeface="Calibri"/>
               </a:rPr>
               <a:t>Créez un jeu de plateau tour par tour en JS</a:t>
-            </a:r>
-            <a:r>
-              <a:rPr lang="fr-FR" sz="1400" b="1" dirty="0">
-                <a:solidFill>
-                  <a:schemeClr val="dk1"/>
-                </a:solidFill>
-                <a:latin typeface="Calibri"/>
-                <a:ea typeface="Calibri"/>
-                <a:cs typeface="Calibri"/>
-                <a:sym typeface="Calibri"/>
-              </a:rPr>
-              <a:t/>
             </a:r>
             <a:br>
               <a:rPr lang="fr-FR" sz="1400" b="1" dirty="0">
@@ -16508,58 +16297,57 @@
           <a:lstStyle/>
           <a:p>
             <a:r>
-              <a:rPr lang="fr-FR" dirty="0" smtClean="0"/>
+              <a:rPr lang="fr-FR" dirty="0"/>
               <a:t>Création d’un jeu de plateau tour par tour en utilisant </a:t>
             </a:r>
             <a:r>
-              <a:rPr lang="fr-FR" dirty="0" err="1" smtClean="0"/>
+              <a:rPr lang="fr-FR" dirty="0" err="1"/>
               <a:t>Javascript</a:t>
             </a:r>
-            <a:endParaRPr lang="fr-FR" dirty="0" smtClean="0"/>
-          </a:p>
-          <a:p>
             <a:endParaRPr lang="fr-FR" dirty="0"/>
           </a:p>
           <a:p>
-            <a:r>
-              <a:rPr lang="fr-FR" u="sng" dirty="0" smtClean="0"/>
+            <a:endParaRPr lang="fr-FR" dirty="0"/>
+          </a:p>
+          <a:p>
+            <a:r>
+              <a:rPr lang="fr-FR" u="sng" dirty="0"/>
               <a:t>Etape 1 : </a:t>
             </a:r>
             <a:r>
-              <a:rPr lang="fr-FR" dirty="0" smtClean="0"/>
+              <a:rPr lang="fr-FR" dirty="0"/>
               <a:t>Générer la carte de jeu</a:t>
             </a:r>
           </a:p>
           <a:p>
             <a:r>
-              <a:rPr lang="fr-FR" u="sng" dirty="0" smtClean="0"/>
+              <a:rPr lang="fr-FR" u="sng" dirty="0"/>
               <a:t>Etape 2 : </a:t>
             </a:r>
             <a:r>
-              <a:rPr lang="fr-FR" dirty="0" smtClean="0"/>
+              <a:rPr lang="fr-FR" dirty="0"/>
               <a:t>Créer les mouvements des joueurs</a:t>
             </a:r>
           </a:p>
           <a:p>
             <a:r>
-              <a:rPr lang="fr-FR" u="sng" dirty="0" smtClean="0"/>
+              <a:rPr lang="fr-FR" u="sng" dirty="0"/>
               <a:t>Etape 3 : </a:t>
             </a:r>
             <a:r>
-              <a:rPr lang="fr-FR" dirty="0" smtClean="0"/>
+              <a:rPr lang="fr-FR" dirty="0"/>
               <a:t>Faire combattre les joueurs</a:t>
             </a:r>
           </a:p>
           <a:p>
             <a:r>
-              <a:rPr lang="fr-FR" u="sng" dirty="0" smtClean="0"/>
+              <a:rPr lang="fr-FR" u="sng" dirty="0"/>
               <a:t>Bonus : </a:t>
             </a:r>
             <a:r>
-              <a:rPr lang="fr-FR" dirty="0" smtClean="0"/>
+              <a:rPr lang="fr-FR" dirty="0"/>
               <a:t>Customisation du jeu</a:t>
             </a:r>
-            <a:endParaRPr lang="fr-FR" dirty="0"/>
           </a:p>
         </p:txBody>
       </p:sp>
@@ -16640,7 +16428,7 @@
               <a:buNone/>
             </a:pPr>
             <a:r>
-              <a:rPr lang="fr-FR" sz="3959" dirty="0" smtClean="0">
+              <a:rPr lang="fr-FR" sz="3959" dirty="0">
                 <a:latin typeface="Quattrocento Sans"/>
                 <a:ea typeface="Quattrocento Sans"/>
                 <a:cs typeface="Quattrocento Sans"/>
@@ -16706,87 +16494,87 @@
           <a:lstStyle/>
           <a:p>
             <a:r>
-              <a:rPr lang="fr-FR" dirty="0" smtClean="0"/>
+              <a:rPr lang="fr-FR" dirty="0"/>
               <a:t>Le projet est en </a:t>
             </a:r>
             <a:r>
-              <a:rPr lang="fr-FR" dirty="0" err="1" smtClean="0"/>
+              <a:rPr lang="fr-FR" dirty="0" err="1"/>
               <a:t>VanillaJS</a:t>
             </a:r>
             <a:r>
-              <a:rPr lang="fr-FR" dirty="0" smtClean="0"/>
+              <a:rPr lang="fr-FR" dirty="0"/>
               <a:t> (full </a:t>
             </a:r>
             <a:r>
-              <a:rPr lang="fr-FR" dirty="0" err="1" smtClean="0"/>
+              <a:rPr lang="fr-FR" dirty="0" err="1"/>
               <a:t>Javascript</a:t>
             </a:r>
             <a:r>
-              <a:rPr lang="fr-FR" dirty="0" smtClean="0"/>
+              <a:rPr lang="fr-FR" dirty="0"/>
               <a:t>)</a:t>
             </a:r>
           </a:p>
           <a:p>
             <a:r>
-              <a:rPr lang="fr-FR" dirty="0" smtClean="0"/>
+              <a:rPr lang="fr-FR" dirty="0"/>
               <a:t>N’inclus pas jQuery</a:t>
             </a:r>
           </a:p>
           <a:p>
             <a:r>
-              <a:rPr lang="fr-FR" u="sng" dirty="0" smtClean="0"/>
+              <a:rPr lang="fr-FR" u="sng" dirty="0"/>
               <a:t>Raisons :</a:t>
             </a:r>
           </a:p>
           <a:p>
             <a:pPr lvl="1"/>
             <a:r>
-              <a:rPr lang="fr-FR" i="1" dirty="0" smtClean="0"/>
+              <a:rPr lang="fr-FR" i="1" dirty="0"/>
               <a:t>Plus maintenable </a:t>
             </a:r>
             <a:r>
-              <a:rPr lang="fr-FR" dirty="0" smtClean="0"/>
+              <a:rPr lang="fr-FR" dirty="0"/>
               <a:t>en POO</a:t>
             </a:r>
           </a:p>
           <a:p>
             <a:pPr lvl="1"/>
             <a:r>
-              <a:rPr lang="fr-FR" i="1" dirty="0" smtClean="0"/>
+              <a:rPr lang="fr-FR" i="1" dirty="0"/>
               <a:t>Plus léger : </a:t>
             </a:r>
             <a:r>
-              <a:rPr lang="fr-FR" dirty="0" smtClean="0"/>
+              <a:rPr lang="fr-FR" dirty="0"/>
               <a:t>la librairie </a:t>
             </a:r>
             <a:r>
-              <a:rPr lang="fr-FR" dirty="0" err="1" smtClean="0"/>
+              <a:rPr lang="fr-FR" dirty="0" err="1"/>
               <a:t>minifiée</a:t>
             </a:r>
             <a:r>
-              <a:rPr lang="fr-FR" dirty="0" smtClean="0"/>
+              <a:rPr lang="fr-FR" dirty="0"/>
               <a:t> pèse 87ko</a:t>
             </a:r>
           </a:p>
           <a:p>
             <a:pPr lvl="1"/>
             <a:r>
-              <a:rPr lang="fr-FR" i="1" dirty="0" smtClean="0"/>
+              <a:rPr lang="fr-FR" i="1" dirty="0"/>
               <a:t>Plus propre : </a:t>
             </a:r>
             <a:r>
-              <a:rPr lang="fr-FR" dirty="0" smtClean="0"/>
+              <a:rPr lang="fr-FR" dirty="0"/>
               <a:t>le code se répète moins souvent</a:t>
             </a:r>
           </a:p>
           <a:p>
             <a:pPr lvl="1"/>
             <a:r>
-              <a:rPr lang="fr-FR" dirty="0" smtClean="0"/>
+              <a:rPr lang="fr-FR" dirty="0"/>
               <a:t>jQuery est avant tout du </a:t>
             </a:r>
             <a:r>
-              <a:rPr lang="fr-FR" i="1" dirty="0" err="1" smtClean="0"/>
+              <a:rPr lang="fr-FR" i="1" dirty="0" err="1"/>
               <a:t>VanillaJS</a:t>
             </a:r>
             <a:endParaRPr lang="fr-FR" i="1" dirty="0"/>
@@ -16820,7 +16608,7 @@
           <a:p>
             <a:pPr lvl="0"/>
             <a:r>
-              <a:rPr lang="fr-FR" sz="1400" b="1" dirty="0" smtClean="0">
+              <a:rPr lang="fr-FR" sz="1400" b="1" dirty="0">
                 <a:solidFill>
                   <a:schemeClr val="dk1"/>
                 </a:solidFill>
@@ -16829,19 +16617,7 @@
                 <a:cs typeface="Calibri"/>
                 <a:sym typeface="Calibri"/>
               </a:rPr>
-              <a:t>P6 </a:t>
-            </a:r>
-            <a:r>
-              <a:rPr lang="fr-FR" sz="1400" b="1" dirty="0">
-                <a:solidFill>
-                  <a:schemeClr val="dk1"/>
-                </a:solidFill>
-                <a:latin typeface="Calibri"/>
-                <a:ea typeface="Calibri"/>
-                <a:cs typeface="Calibri"/>
-                <a:sym typeface="Calibri"/>
-              </a:rPr>
-              <a:t>: </a:t>
+              <a:t>P6 : </a:t>
             </a:r>
             <a:r>
               <a:rPr lang="fr-FR" b="1" dirty="0">
@@ -16854,18 +16630,6 @@
                 <a:sym typeface="Calibri"/>
               </a:rPr>
               <a:t>Créez un jeu de plateau tour par tour en JS</a:t>
-            </a:r>
-            <a:r>
-              <a:rPr lang="fr-FR" sz="1400" b="1" dirty="0">
-                <a:solidFill>
-                  <a:schemeClr val="dk1"/>
-                </a:solidFill>
-                <a:latin typeface="Calibri"/>
-                <a:ea typeface="Calibri"/>
-                <a:cs typeface="Calibri"/>
-                <a:sym typeface="Calibri"/>
-              </a:rPr>
-              <a:t/>
             </a:r>
             <a:br>
               <a:rPr lang="fr-FR" sz="1400" b="1" dirty="0">
@@ -16912,13 +16676,6 @@
   <p:clrMapOvr>
     <a:masterClrMapping/>
   </p:clrMapOvr>
-  <p:timing>
-    <p:tnLst>
-      <p:par>
-        <p:cTn id="1" dur="indefinite" restart="never" nodeType="tmRoot"/>
-      </p:par>
-    </p:tnLst>
-  </p:timing>
 </p:sld>
 </file>
 
@@ -16992,16 +16749,7 @@
                 <a:cs typeface="Quattrocento Sans"/>
                 <a:sym typeface="Quattrocento Sans"/>
               </a:rPr>
-              <a:t>Etape 1 – </a:t>
-            </a:r>
-            <a:r>
-              <a:rPr lang="fr-FR" sz="3959" dirty="0" smtClean="0">
-                <a:latin typeface="Quattrocento Sans"/>
-                <a:ea typeface="Quattrocento Sans"/>
-                <a:cs typeface="Quattrocento Sans"/>
-                <a:sym typeface="Quattrocento Sans"/>
-              </a:rPr>
-              <a:t>Génération de la carte</a:t>
+              <a:t>Etape 1 – Génération de la carte</a:t>
             </a:r>
             <a:endParaRPr sz="1979" dirty="0">
               <a:latin typeface="Quattrocento Sans"/>
@@ -17066,49 +16814,45 @@
           <a:lstStyle/>
           <a:p>
             <a:r>
-              <a:rPr lang="fr-FR" dirty="0" smtClean="0"/>
+              <a:rPr lang="fr-FR" dirty="0"/>
               <a:t>Données par défaut :</a:t>
             </a:r>
           </a:p>
           <a:p>
             <a:pPr lvl="1"/>
             <a:r>
-              <a:rPr lang="fr-FR" dirty="0" smtClean="0"/>
+              <a:rPr lang="fr-FR" dirty="0"/>
               <a:t>Nom des joueurs</a:t>
             </a:r>
           </a:p>
           <a:p>
             <a:pPr lvl="1"/>
             <a:r>
-              <a:rPr lang="fr-FR" dirty="0" smtClean="0"/>
+              <a:rPr lang="fr-FR" dirty="0"/>
               <a:t>Santé des joueurs</a:t>
             </a:r>
           </a:p>
           <a:p>
             <a:pPr lvl="1"/>
             <a:r>
-              <a:rPr lang="fr-FR" dirty="0" smtClean="0"/>
+              <a:rPr lang="fr-FR" dirty="0"/>
               <a:t>4 armes (nom, image, dégâts)</a:t>
             </a:r>
           </a:p>
           <a:p>
             <a:pPr lvl="1"/>
             <a:r>
-              <a:rPr lang="fr-FR" dirty="0" smtClean="0"/>
+              <a:rPr lang="fr-FR" dirty="0"/>
               <a:t>Données sur la grille (nombre de cases, cases inaccessibles)</a:t>
             </a:r>
           </a:p>
           <a:p>
             <a:r>
               <a:rPr lang="fr-FR" dirty="0"/>
-              <a:t>M</a:t>
-            </a:r>
-            <a:r>
-              <a:rPr lang="fr-FR" dirty="0" smtClean="0"/>
-              <a:t>éthode </a:t>
-            </a:r>
-            <a:r>
-              <a:rPr lang="fr-FR" dirty="0" err="1" smtClean="0">
+              <a:t>Méthode </a:t>
+            </a:r>
+            <a:r>
+              <a:rPr lang="fr-FR" dirty="0" err="1">
                 <a:solidFill>
                   <a:schemeClr val="tx1"/>
                 </a:solidFill>
@@ -17116,7 +16860,7 @@
               <a:t>init</a:t>
             </a:r>
             <a:r>
-              <a:rPr lang="fr-FR" dirty="0" smtClean="0">
+              <a:rPr lang="fr-FR" dirty="0">
                 <a:solidFill>
                   <a:schemeClr val="tx1"/>
                 </a:solidFill>
@@ -17124,28 +16868,28 @@
               <a:t>() </a:t>
             </a:r>
             <a:r>
-              <a:rPr lang="fr-FR" dirty="0" smtClean="0"/>
+              <a:rPr lang="fr-FR" dirty="0"/>
               <a:t>: stocke toutes ces informations dans un objet </a:t>
             </a:r>
             <a:r>
-              <a:rPr lang="fr-FR" dirty="0" err="1" smtClean="0"/>
+              <a:rPr lang="fr-FR" dirty="0" err="1"/>
               <a:t>setupGame</a:t>
             </a:r>
             <a:endParaRPr lang="fr-FR" dirty="0"/>
           </a:p>
           <a:p>
             <a:r>
-              <a:rPr lang="fr-FR" dirty="0" err="1" smtClean="0"/>
+              <a:rPr lang="fr-FR" dirty="0" err="1"/>
               <a:t>setupGame</a:t>
             </a:r>
             <a:r>
-              <a:rPr lang="fr-FR" dirty="0" smtClean="0"/>
+              <a:rPr lang="fr-FR" dirty="0"/>
               <a:t> : envoyé dans une instance de la classe Game </a:t>
             </a:r>
           </a:p>
           <a:p>
             <a:pPr lvl="1"/>
-            <a:endParaRPr lang="fr-FR" dirty="0" smtClean="0"/>
+            <a:endParaRPr lang="fr-FR" dirty="0"/>
           </a:p>
         </p:txBody>
       </p:sp>
@@ -17428,7 +17172,7 @@
               <a:buNone/>
             </a:pPr>
             <a:r>
-              <a:rPr lang="fr-FR" sz="2800" dirty="0" smtClean="0">
+              <a:rPr lang="fr-FR" sz="2800" dirty="0">
                 <a:solidFill>
                   <a:schemeClr val="bg1">
                     <a:lumMod val="50000"/>
@@ -17442,7 +17186,7 @@
               <a:t>Classe « </a:t>
             </a:r>
             <a:r>
-              <a:rPr lang="fr-FR" sz="2800" b="1" dirty="0" smtClean="0">
+              <a:rPr lang="fr-FR" sz="2800" b="1" dirty="0">
                 <a:solidFill>
                   <a:schemeClr val="bg1">
                     <a:lumMod val="50000"/>
@@ -17456,7 +17200,7 @@
               <a:t>Default</a:t>
             </a:r>
             <a:r>
-              <a:rPr lang="fr-FR" sz="2800" dirty="0" smtClean="0">
+              <a:rPr lang="fr-FR" sz="2800" dirty="0">
                 <a:solidFill>
                   <a:schemeClr val="bg1">
                     <a:lumMod val="50000"/>
@@ -17510,7 +17254,7 @@
           <a:p>
             <a:pPr lvl="0"/>
             <a:r>
-              <a:rPr lang="fr-FR" sz="1400" b="1" dirty="0" smtClean="0">
+              <a:rPr lang="fr-FR" sz="1400" b="1" dirty="0">
                 <a:solidFill>
                   <a:schemeClr val="dk1"/>
                 </a:solidFill>
@@ -17519,19 +17263,7 @@
                 <a:cs typeface="Calibri"/>
                 <a:sym typeface="Calibri"/>
               </a:rPr>
-              <a:t>P6 </a:t>
-            </a:r>
-            <a:r>
-              <a:rPr lang="fr-FR" sz="1400" b="1" dirty="0">
-                <a:solidFill>
-                  <a:schemeClr val="dk1"/>
-                </a:solidFill>
-                <a:latin typeface="Calibri"/>
-                <a:ea typeface="Calibri"/>
-                <a:cs typeface="Calibri"/>
-                <a:sym typeface="Calibri"/>
-              </a:rPr>
-              <a:t>: </a:t>
+              <a:t>P6 : </a:t>
             </a:r>
             <a:r>
               <a:rPr lang="fr-FR" b="1" dirty="0">
@@ -17544,18 +17276,6 @@
                 <a:sym typeface="Calibri"/>
               </a:rPr>
               <a:t>Créez un jeu de plateau tour par tour en JS</a:t>
-            </a:r>
-            <a:r>
-              <a:rPr lang="fr-FR" sz="1400" b="1" dirty="0">
-                <a:solidFill>
-                  <a:schemeClr val="dk1"/>
-                </a:solidFill>
-                <a:latin typeface="Calibri"/>
-                <a:ea typeface="Calibri"/>
-                <a:cs typeface="Calibri"/>
-                <a:sym typeface="Calibri"/>
-              </a:rPr>
-              <a:t/>
             </a:r>
             <a:br>
               <a:rPr lang="fr-FR" sz="1400" b="1" dirty="0">
@@ -17597,13 +17317,6 @@
   <p:clrMapOvr>
     <a:masterClrMapping/>
   </p:clrMapOvr>
-  <p:timing>
-    <p:tnLst>
-      <p:par>
-        <p:cTn id="1" dur="indefinite" restart="never" nodeType="tmRoot"/>
-      </p:par>
-    </p:tnLst>
-  </p:timing>
 </p:sld>
 </file>
 
@@ -17677,16 +17390,7 @@
                 <a:cs typeface="Quattrocento Sans"/>
                 <a:sym typeface="Quattrocento Sans"/>
               </a:rPr>
-              <a:t>Etape 1 – </a:t>
-            </a:r>
-            <a:r>
-              <a:rPr lang="fr-FR" sz="3959" dirty="0" smtClean="0">
-                <a:latin typeface="Quattrocento Sans"/>
-                <a:ea typeface="Quattrocento Sans"/>
-                <a:cs typeface="Quattrocento Sans"/>
-                <a:sym typeface="Quattrocento Sans"/>
-              </a:rPr>
-              <a:t>Génération de la carte</a:t>
+              <a:t>Etape 1 – Génération de la carte</a:t>
             </a:r>
             <a:endParaRPr sz="1979" dirty="0">
               <a:latin typeface="Quattrocento Sans"/>
@@ -17751,73 +17455,73 @@
           <a:lstStyle/>
           <a:p>
             <a:r>
-              <a:rPr lang="fr-FR" sz="2000" dirty="0" smtClean="0"/>
+              <a:rPr lang="fr-FR" sz="2000" dirty="0"/>
               <a:t>Toutes les méthodes de cette classe sont des contrôleurs qui lanceront des actions spécifiques sur la classe </a:t>
             </a:r>
             <a:r>
-              <a:rPr lang="fr-FR" sz="2000" dirty="0" err="1" smtClean="0"/>
+              <a:rPr lang="fr-FR" sz="2000" dirty="0" err="1"/>
               <a:t>Grid</a:t>
             </a:r>
             <a:r>
-              <a:rPr lang="fr-FR" sz="2000" dirty="0" smtClean="0"/>
+              <a:rPr lang="fr-FR" sz="2000" dirty="0"/>
               <a:t>.</a:t>
             </a:r>
           </a:p>
           <a:p>
             <a:r>
-              <a:rPr lang="fr-FR" sz="2000" dirty="0" smtClean="0"/>
+              <a:rPr lang="fr-FR" sz="2000" dirty="0"/>
               <a:t>Méthode </a:t>
             </a:r>
             <a:r>
-              <a:rPr lang="fr-FR" sz="2000" dirty="0" err="1" smtClean="0"/>
+              <a:rPr lang="fr-FR" sz="2000" dirty="0" err="1"/>
               <a:t>setGrid</a:t>
             </a:r>
             <a:r>
-              <a:rPr lang="fr-FR" sz="2000" dirty="0" smtClean="0"/>
+              <a:rPr lang="fr-FR" sz="2000" dirty="0"/>
               <a:t>() : </a:t>
             </a:r>
           </a:p>
           <a:p>
             <a:pPr lvl="1"/>
             <a:r>
-              <a:rPr lang="fr-FR" sz="1600" dirty="0" smtClean="0"/>
+              <a:rPr lang="fr-FR" sz="1600" dirty="0"/>
               <a:t>Création d’une instance de la classe </a:t>
             </a:r>
             <a:r>
-              <a:rPr lang="fr-FR" sz="1600" dirty="0" err="1" smtClean="0"/>
+              <a:rPr lang="fr-FR" sz="1600" dirty="0" err="1"/>
               <a:t>Grid</a:t>
             </a:r>
-            <a:endParaRPr lang="fr-FR" sz="1600" dirty="0" smtClean="0"/>
+            <a:endParaRPr lang="fr-FR" sz="1600" dirty="0"/>
           </a:p>
           <a:p>
             <a:pPr lvl="1"/>
             <a:r>
-              <a:rPr lang="fr-FR" sz="1600" dirty="0" smtClean="0"/>
+              <a:rPr lang="fr-FR" sz="1600" dirty="0"/>
               <a:t>Passe la taille de la grille dans cette nouvelle instance</a:t>
             </a:r>
           </a:p>
           <a:p>
             <a:r>
-              <a:rPr lang="fr-FR" sz="2000" dirty="0" smtClean="0"/>
+              <a:rPr lang="fr-FR" sz="2000" dirty="0"/>
               <a:t>Méthode </a:t>
             </a:r>
             <a:r>
-              <a:rPr lang="fr-FR" sz="2000" dirty="0" err="1" smtClean="0"/>
+              <a:rPr lang="fr-FR" sz="2000" dirty="0" err="1"/>
               <a:t>setInaccessibleCases</a:t>
             </a:r>
             <a:r>
-              <a:rPr lang="fr-FR" sz="2000" dirty="0" smtClean="0"/>
+              <a:rPr lang="fr-FR" sz="2000" dirty="0"/>
               <a:t>() :</a:t>
             </a:r>
           </a:p>
           <a:p>
             <a:pPr lvl="1"/>
             <a:r>
-              <a:rPr lang="fr-FR" sz="1600" dirty="0" smtClean="0"/>
+              <a:rPr lang="fr-FR" sz="1600" dirty="0"/>
               <a:t>Envoie le nombre de cases inaccessibles à la nouvelle instance de </a:t>
             </a:r>
             <a:r>
-              <a:rPr lang="fr-FR" sz="1600" dirty="0" err="1" smtClean="0"/>
+              <a:rPr lang="fr-FR" sz="1600" dirty="0" err="1"/>
               <a:t>Grid</a:t>
             </a:r>
             <a:endParaRPr lang="fr-FR" sz="1600" dirty="0"/>
@@ -17825,70 +17529,70 @@
           <a:p>
             <a:pPr lvl="1"/>
             <a:r>
-              <a:rPr lang="fr-FR" sz="1600" dirty="0" smtClean="0"/>
+              <a:rPr lang="fr-FR" sz="1600" dirty="0"/>
               <a:t>Lance la méthode </a:t>
             </a:r>
             <a:r>
-              <a:rPr lang="fr-FR" sz="1600" dirty="0" err="1" smtClean="0"/>
+              <a:rPr lang="fr-FR" sz="1600" dirty="0" err="1"/>
               <a:t>setInaccessibleCase</a:t>
             </a:r>
             <a:r>
-              <a:rPr lang="fr-FR" sz="1600" dirty="0" smtClean="0"/>
+              <a:rPr lang="fr-FR" sz="1600" dirty="0"/>
               <a:t>() de la classe </a:t>
             </a:r>
             <a:r>
-              <a:rPr lang="fr-FR" sz="1600" dirty="0" err="1" smtClean="0"/>
+              <a:rPr lang="fr-FR" sz="1600" dirty="0" err="1"/>
               <a:t>Grid</a:t>
             </a:r>
-            <a:endParaRPr lang="fr-FR" sz="1600" dirty="0" smtClean="0"/>
-          </a:p>
-          <a:p>
-            <a:r>
-              <a:rPr lang="fr-FR" sz="2000" dirty="0" smtClean="0"/>
+            <a:endParaRPr lang="fr-FR" sz="1600" dirty="0"/>
+          </a:p>
+          <a:p>
+            <a:r>
+              <a:rPr lang="fr-FR" sz="2000" dirty="0"/>
               <a:t>Méthode </a:t>
             </a:r>
             <a:r>
-              <a:rPr lang="fr-FR" sz="2000" dirty="0" err="1" smtClean="0"/>
+              <a:rPr lang="fr-FR" sz="2000" dirty="0" err="1"/>
               <a:t>setWeapons</a:t>
             </a:r>
             <a:r>
-              <a:rPr lang="fr-FR" sz="2000" dirty="0" smtClean="0"/>
+              <a:rPr lang="fr-FR" sz="2000" dirty="0"/>
               <a:t>() :</a:t>
             </a:r>
           </a:p>
           <a:p>
             <a:pPr lvl="1"/>
             <a:r>
-              <a:rPr lang="fr-FR" sz="1600" dirty="0" smtClean="0"/>
+              <a:rPr lang="fr-FR" sz="1600" dirty="0"/>
               <a:t>Récupère les informations sur les armes</a:t>
             </a:r>
           </a:p>
           <a:p>
             <a:pPr lvl="1"/>
             <a:r>
-              <a:rPr lang="fr-FR" sz="1600" dirty="0" smtClean="0"/>
+              <a:rPr lang="fr-FR" sz="1600" dirty="0"/>
               <a:t>Crée un tableau d’instances de la classe </a:t>
             </a:r>
             <a:r>
-              <a:rPr lang="fr-FR" sz="1600" dirty="0" err="1" smtClean="0"/>
+              <a:rPr lang="fr-FR" sz="1600" dirty="0" err="1"/>
               <a:t>Weapon</a:t>
             </a:r>
             <a:r>
-              <a:rPr lang="fr-FR" sz="1600" dirty="0" smtClean="0"/>
+              <a:rPr lang="fr-FR" sz="1600" dirty="0"/>
               <a:t> qui est envoyé dans la nouvelle instance de </a:t>
             </a:r>
             <a:r>
-              <a:rPr lang="fr-FR" sz="1600" dirty="0" err="1" smtClean="0"/>
+              <a:rPr lang="fr-FR" sz="1600" dirty="0" err="1"/>
               <a:t>Grid</a:t>
             </a:r>
             <a:r>
-              <a:rPr lang="fr-FR" sz="1600" dirty="0" smtClean="0"/>
+              <a:rPr lang="fr-FR" sz="1600" dirty="0"/>
               <a:t>.</a:t>
             </a:r>
           </a:p>
           <a:p>
             <a:pPr lvl="1"/>
-            <a:endParaRPr lang="fr-FR" sz="1600" dirty="0" smtClean="0"/>
+            <a:endParaRPr lang="fr-FR" sz="1600" dirty="0"/>
           </a:p>
           <a:p>
             <a:endParaRPr lang="fr-FR" sz="2000" dirty="0"/>
@@ -18174,7 +17878,7 @@
               <a:buNone/>
             </a:pPr>
             <a:r>
-              <a:rPr lang="fr-FR" sz="2800" dirty="0" smtClean="0">
+              <a:rPr lang="fr-FR" sz="2800" dirty="0">
                 <a:solidFill>
                   <a:schemeClr val="bg1">
                     <a:lumMod val="50000"/>
@@ -18188,7 +17892,7 @@
               <a:t>Classe « </a:t>
             </a:r>
             <a:r>
-              <a:rPr lang="fr-FR" sz="2800" b="1" dirty="0" smtClean="0">
+              <a:rPr lang="fr-FR" sz="2800" b="1" dirty="0">
                 <a:solidFill>
                   <a:schemeClr val="bg1">
                     <a:lumMod val="50000"/>
@@ -18202,7 +17906,7 @@
               <a:t>Game</a:t>
             </a:r>
             <a:r>
-              <a:rPr lang="fr-FR" sz="2800" dirty="0" smtClean="0">
+              <a:rPr lang="fr-FR" sz="2800" dirty="0">
                 <a:solidFill>
                   <a:schemeClr val="bg1">
                     <a:lumMod val="50000"/>
@@ -18256,7 +17960,7 @@
           <a:p>
             <a:pPr lvl="0"/>
             <a:r>
-              <a:rPr lang="fr-FR" sz="1400" b="1" dirty="0" smtClean="0">
+              <a:rPr lang="fr-FR" sz="1400" b="1" dirty="0">
                 <a:solidFill>
                   <a:schemeClr val="dk1"/>
                 </a:solidFill>
@@ -18265,19 +17969,7 @@
                 <a:cs typeface="Calibri"/>
                 <a:sym typeface="Calibri"/>
               </a:rPr>
-              <a:t>P6 </a:t>
-            </a:r>
-            <a:r>
-              <a:rPr lang="fr-FR" sz="1400" b="1" dirty="0">
-                <a:solidFill>
-                  <a:schemeClr val="dk1"/>
-                </a:solidFill>
-                <a:latin typeface="Calibri"/>
-                <a:ea typeface="Calibri"/>
-                <a:cs typeface="Calibri"/>
-                <a:sym typeface="Calibri"/>
-              </a:rPr>
-              <a:t>: </a:t>
+              <a:t>P6 : </a:t>
             </a:r>
             <a:r>
               <a:rPr lang="fr-FR" b="1" dirty="0">
@@ -18290,18 +17982,6 @@
                 <a:sym typeface="Calibri"/>
               </a:rPr>
               <a:t>Créez un jeu de plateau tour par tour en JS</a:t>
-            </a:r>
-            <a:r>
-              <a:rPr lang="fr-FR" sz="1400" b="1" dirty="0">
-                <a:solidFill>
-                  <a:schemeClr val="dk1"/>
-                </a:solidFill>
-                <a:latin typeface="Calibri"/>
-                <a:ea typeface="Calibri"/>
-                <a:cs typeface="Calibri"/>
-                <a:sym typeface="Calibri"/>
-              </a:rPr>
-              <a:t/>
             </a:r>
             <a:br>
               <a:rPr lang="fr-FR" sz="1400" b="1" dirty="0">
@@ -18348,13 +18028,6 @@
   <p:clrMapOvr>
     <a:masterClrMapping/>
   </p:clrMapOvr>
-  <p:timing>
-    <p:tnLst>
-      <p:par>
-        <p:cTn id="1" dur="indefinite" restart="never" nodeType="tmRoot"/>
-      </p:par>
-    </p:tnLst>
-  </p:timing>
 </p:sld>
 </file>
 
@@ -18428,16 +18101,7 @@
                 <a:cs typeface="Quattrocento Sans"/>
                 <a:sym typeface="Quattrocento Sans"/>
               </a:rPr>
-              <a:t>Etape 1 – </a:t>
-            </a:r>
-            <a:r>
-              <a:rPr lang="fr-FR" sz="3959" dirty="0" smtClean="0">
-                <a:latin typeface="Quattrocento Sans"/>
-                <a:ea typeface="Quattrocento Sans"/>
-                <a:cs typeface="Quattrocento Sans"/>
-                <a:sym typeface="Quattrocento Sans"/>
-              </a:rPr>
-              <a:t>Génération de la carte</a:t>
+              <a:t>Etape 1 – Génération de la carte</a:t>
             </a:r>
             <a:endParaRPr sz="1979" dirty="0">
               <a:latin typeface="Quattrocento Sans"/>
@@ -18502,15 +18166,15 @@
           <a:lstStyle/>
           <a:p>
             <a:r>
-              <a:rPr lang="fr-FR" sz="2000" dirty="0" smtClean="0"/>
+              <a:rPr lang="fr-FR" sz="2000" dirty="0"/>
               <a:t>Méthode </a:t>
             </a:r>
             <a:r>
-              <a:rPr lang="fr-FR" sz="2000" dirty="0" err="1" smtClean="0"/>
+              <a:rPr lang="fr-FR" sz="2000" dirty="0" err="1"/>
               <a:t>setPlayers</a:t>
             </a:r>
             <a:r>
-              <a:rPr lang="fr-FR" sz="2000" dirty="0" smtClean="0"/>
+              <a:rPr lang="fr-FR" sz="2000" dirty="0"/>
               <a:t>() :</a:t>
             </a:r>
           </a:p>
@@ -18518,27 +18182,14 @@
             <a:pPr lvl="1"/>
             <a:r>
               <a:rPr lang="fr-FR" sz="1600" dirty="0"/>
-              <a:t>Récupère les informations sur les </a:t>
-            </a:r>
-            <a:r>
-              <a:rPr lang="fr-FR" sz="1600" dirty="0" smtClean="0"/>
-              <a:t>joueurs</a:t>
-            </a:r>
-            <a:endParaRPr lang="fr-FR" sz="1600" dirty="0"/>
+              <a:t>Récupère les informations sur les joueurs</a:t>
+            </a:r>
           </a:p>
           <a:p>
             <a:pPr lvl="1"/>
             <a:r>
               <a:rPr lang="fr-FR" sz="1600" dirty="0"/>
-              <a:t>Crée un tableau d’instances de la classe </a:t>
-            </a:r>
-            <a:r>
-              <a:rPr lang="fr-FR" sz="1600" dirty="0" smtClean="0"/>
-              <a:t>Player </a:t>
-            </a:r>
-            <a:r>
-              <a:rPr lang="fr-FR" sz="1600" dirty="0"/>
-              <a:t>qui est envoyé dans la nouvelle instance de </a:t>
+              <a:t>Crée un tableau d’instances de la classe Player qui est envoyé dans la nouvelle instance de </a:t>
             </a:r>
             <a:r>
               <a:rPr lang="fr-FR" sz="1600" dirty="0" err="1"/>
@@ -18551,85 +18202,85 @@
           </a:p>
           <a:p>
             <a:r>
-              <a:rPr lang="fr-FR" sz="2000" dirty="0" smtClean="0"/>
+              <a:rPr lang="fr-FR" sz="2000" dirty="0"/>
               <a:t>Méthode </a:t>
             </a:r>
             <a:r>
-              <a:rPr lang="fr-FR" sz="2000" dirty="0" err="1" smtClean="0"/>
+              <a:rPr lang="fr-FR" sz="2000" dirty="0" err="1"/>
               <a:t>setFrontGame</a:t>
             </a:r>
             <a:r>
-              <a:rPr lang="fr-FR" sz="2000" dirty="0" smtClean="0"/>
+              <a:rPr lang="fr-FR" sz="2000" dirty="0"/>
               <a:t>() :</a:t>
             </a:r>
           </a:p>
           <a:p>
             <a:pPr lvl="1"/>
             <a:r>
-              <a:rPr lang="fr-FR" sz="1600" dirty="0" smtClean="0"/>
+              <a:rPr lang="fr-FR" sz="1600" dirty="0"/>
               <a:t>Envoie les informations de la partie côté front, au niveau de la grille de jeu</a:t>
             </a:r>
           </a:p>
           <a:p>
             <a:pPr lvl="1"/>
             <a:r>
-              <a:rPr lang="fr-FR" sz="1600" dirty="0" smtClean="0"/>
+              <a:rPr lang="fr-FR" sz="1600" dirty="0"/>
               <a:t>Lance la méthode </a:t>
             </a:r>
             <a:r>
-              <a:rPr lang="fr-FR" sz="1600" dirty="0" err="1" smtClean="0"/>
+              <a:rPr lang="fr-FR" sz="1600" dirty="0" err="1"/>
               <a:t>setGame</a:t>
             </a:r>
             <a:r>
-              <a:rPr lang="fr-FR" sz="1600" dirty="0" smtClean="0"/>
+              <a:rPr lang="fr-FR" sz="1600" dirty="0"/>
               <a:t>() à partir de la nouvelle instance de </a:t>
             </a:r>
             <a:r>
-              <a:rPr lang="fr-FR" sz="1600" dirty="0" err="1" smtClean="0"/>
+              <a:rPr lang="fr-FR" sz="1600" dirty="0" err="1"/>
               <a:t>Grid</a:t>
             </a:r>
-            <a:endParaRPr lang="fr-FR" sz="1600" dirty="0" smtClean="0"/>
-          </a:p>
-          <a:p>
-            <a:r>
-              <a:rPr lang="fr-FR" sz="2000" dirty="0" smtClean="0"/>
+            <a:endParaRPr lang="fr-FR" sz="1600" dirty="0"/>
+          </a:p>
+          <a:p>
+            <a:r>
+              <a:rPr lang="fr-FR" sz="2000" dirty="0"/>
               <a:t>Méthode </a:t>
             </a:r>
             <a:r>
-              <a:rPr lang="fr-FR" sz="2000" dirty="0" err="1" smtClean="0"/>
+              <a:rPr lang="fr-FR" sz="2000" dirty="0" err="1"/>
               <a:t>setFrontGrid</a:t>
             </a:r>
             <a:r>
-              <a:rPr lang="fr-FR" sz="2000" dirty="0" smtClean="0"/>
+              <a:rPr lang="fr-FR" sz="2000" dirty="0"/>
               <a:t>() :</a:t>
             </a:r>
           </a:p>
           <a:p>
             <a:pPr lvl="1"/>
             <a:r>
-              <a:rPr lang="fr-FR" sz="1600" dirty="0" smtClean="0"/>
+              <a:rPr lang="fr-FR" sz="1600" dirty="0"/>
               <a:t>Crée la grille en HTML, côté front</a:t>
             </a:r>
           </a:p>
           <a:p>
             <a:pPr lvl="1"/>
             <a:r>
-              <a:rPr lang="fr-FR" sz="1600" dirty="0" smtClean="0"/>
+              <a:rPr lang="fr-FR" sz="1600" dirty="0"/>
               <a:t>Appelle la méthode </a:t>
             </a:r>
             <a:r>
-              <a:rPr lang="fr-FR" sz="1600" dirty="0" err="1" smtClean="0"/>
+              <a:rPr lang="fr-FR" sz="1600" dirty="0" err="1"/>
               <a:t>createFrontGrid</a:t>
             </a:r>
             <a:r>
-              <a:rPr lang="fr-FR" sz="1600" dirty="0" smtClean="0"/>
+              <a:rPr lang="fr-FR" sz="1600" dirty="0"/>
               <a:t>() à partir de la nouvelle instance de </a:t>
             </a:r>
             <a:r>
-              <a:rPr lang="fr-FR" sz="1600" dirty="0" err="1" smtClean="0"/>
+              <a:rPr lang="fr-FR" sz="1600" dirty="0" err="1"/>
               <a:t>Grid</a:t>
             </a:r>
-            <a:endParaRPr lang="fr-FR" sz="1600" dirty="0" smtClean="0"/>
+            <a:endParaRPr lang="fr-FR" sz="1600" dirty="0"/>
           </a:p>
         </p:txBody>
       </p:sp>
@@ -18912,7 +18563,7 @@
               <a:buNone/>
             </a:pPr>
             <a:r>
-              <a:rPr lang="fr-FR" sz="2800" dirty="0" smtClean="0">
+              <a:rPr lang="fr-FR" sz="2800" dirty="0">
                 <a:solidFill>
                   <a:schemeClr val="bg1">
                     <a:lumMod val="50000"/>
@@ -18926,7 +18577,7 @@
               <a:t>Classe « </a:t>
             </a:r>
             <a:r>
-              <a:rPr lang="fr-FR" sz="2800" b="1" dirty="0" smtClean="0">
+              <a:rPr lang="fr-FR" sz="2800" b="1" dirty="0">
                 <a:solidFill>
                   <a:schemeClr val="bg1">
                     <a:lumMod val="50000"/>
@@ -18940,7 +18591,7 @@
               <a:t>Game</a:t>
             </a:r>
             <a:r>
-              <a:rPr lang="fr-FR" sz="2800" dirty="0" smtClean="0">
+              <a:rPr lang="fr-FR" sz="2800" dirty="0">
                 <a:solidFill>
                   <a:schemeClr val="bg1">
                     <a:lumMod val="50000"/>
@@ -18994,7 +18645,7 @@
           <a:p>
             <a:pPr lvl="0"/>
             <a:r>
-              <a:rPr lang="fr-FR" sz="1400" b="1" dirty="0" smtClean="0">
+              <a:rPr lang="fr-FR" sz="1400" b="1" dirty="0">
                 <a:solidFill>
                   <a:schemeClr val="dk1"/>
                 </a:solidFill>
@@ -19003,19 +18654,7 @@
                 <a:cs typeface="Calibri"/>
                 <a:sym typeface="Calibri"/>
               </a:rPr>
-              <a:t>P6 </a:t>
-            </a:r>
-            <a:r>
-              <a:rPr lang="fr-FR" sz="1400" b="1" dirty="0">
-                <a:solidFill>
-                  <a:schemeClr val="dk1"/>
-                </a:solidFill>
-                <a:latin typeface="Calibri"/>
-                <a:ea typeface="Calibri"/>
-                <a:cs typeface="Calibri"/>
-                <a:sym typeface="Calibri"/>
-              </a:rPr>
-              <a:t>: </a:t>
+              <a:t>P6 : </a:t>
             </a:r>
             <a:r>
               <a:rPr lang="fr-FR" b="1" dirty="0">
@@ -19028,18 +18667,6 @@
                 <a:sym typeface="Calibri"/>
               </a:rPr>
               <a:t>Créez un jeu de plateau tour par tour en JS</a:t>
-            </a:r>
-            <a:r>
-              <a:rPr lang="fr-FR" sz="1400" b="1" dirty="0">
-                <a:solidFill>
-                  <a:schemeClr val="dk1"/>
-                </a:solidFill>
-                <a:latin typeface="Calibri"/>
-                <a:ea typeface="Calibri"/>
-                <a:cs typeface="Calibri"/>
-                <a:sym typeface="Calibri"/>
-              </a:rPr>
-              <a:t/>
             </a:r>
             <a:br>
               <a:rPr lang="fr-FR" sz="1400" b="1" dirty="0">
@@ -19086,13 +18713,6 @@
   <p:clrMapOvr>
     <a:masterClrMapping/>
   </p:clrMapOvr>
-  <p:timing>
-    <p:tnLst>
-      <p:par>
-        <p:cTn id="1" dur="indefinite" restart="never" nodeType="tmRoot"/>
-      </p:par>
-    </p:tnLst>
-  </p:timing>
 </p:sld>
 </file>
 
@@ -19166,16 +18786,7 @@
                 <a:cs typeface="Quattrocento Sans"/>
                 <a:sym typeface="Quattrocento Sans"/>
               </a:rPr>
-              <a:t>Etape 1 – </a:t>
-            </a:r>
-            <a:r>
-              <a:rPr lang="fr-FR" sz="3959" dirty="0" smtClean="0">
-                <a:latin typeface="Quattrocento Sans"/>
-                <a:ea typeface="Quattrocento Sans"/>
-                <a:cs typeface="Quattrocento Sans"/>
-                <a:sym typeface="Quattrocento Sans"/>
-              </a:rPr>
-              <a:t>Génération de la carte</a:t>
+              <a:t>Etape 1 – Génération de la carte</a:t>
             </a:r>
             <a:endParaRPr sz="1979" dirty="0">
               <a:latin typeface="Quattrocento Sans"/>
@@ -19240,59 +18851,59 @@
           <a:lstStyle/>
           <a:p>
             <a:r>
-              <a:rPr lang="fr-FR" sz="2000" dirty="0" smtClean="0"/>
+              <a:rPr lang="fr-FR" sz="2000" dirty="0"/>
               <a:t>Récupère les informations envoyées de la classe Game pour créer la partie</a:t>
             </a:r>
           </a:p>
           <a:p>
             <a:r>
-              <a:rPr lang="fr-FR" sz="2000" dirty="0" smtClean="0"/>
+              <a:rPr lang="fr-FR" sz="2000" dirty="0"/>
               <a:t>Méthode </a:t>
             </a:r>
             <a:r>
-              <a:rPr lang="fr-FR" sz="2000" dirty="0" err="1" smtClean="0"/>
+              <a:rPr lang="fr-FR" sz="2000" dirty="0" err="1"/>
               <a:t>createGrid</a:t>
             </a:r>
             <a:r>
-              <a:rPr lang="fr-FR" sz="2000" dirty="0" smtClean="0"/>
+              <a:rPr lang="fr-FR" sz="2000" dirty="0"/>
               <a:t>() :</a:t>
             </a:r>
           </a:p>
           <a:p>
             <a:pPr lvl="1"/>
             <a:r>
-              <a:rPr lang="fr-FR" sz="1600" dirty="0" smtClean="0"/>
+              <a:rPr lang="fr-FR" sz="1600" dirty="0"/>
               <a:t>Création du tableau </a:t>
             </a:r>
             <a:r>
-              <a:rPr lang="fr-FR" sz="1600" dirty="0" err="1" smtClean="0"/>
+              <a:rPr lang="fr-FR" sz="1600" dirty="0" err="1"/>
               <a:t>grid</a:t>
             </a:r>
             <a:r>
-              <a:rPr lang="fr-FR" sz="1600" dirty="0" smtClean="0"/>
+              <a:rPr lang="fr-FR" sz="1600" dirty="0"/>
               <a:t> qui contient un objet « </a:t>
             </a:r>
             <a:r>
-              <a:rPr lang="fr-FR" sz="1600" dirty="0" err="1" smtClean="0"/>
+              <a:rPr lang="fr-FR" sz="1600" dirty="0" err="1"/>
               <a:t>cell</a:t>
             </a:r>
             <a:r>
-              <a:rPr lang="fr-FR" sz="1600" dirty="0" smtClean="0"/>
+              <a:rPr lang="fr-FR" sz="1600" dirty="0"/>
               <a:t> » pour chaque case de la grille. Cet objet « </a:t>
             </a:r>
             <a:r>
-              <a:rPr lang="fr-FR" sz="1600" dirty="0" err="1" smtClean="0"/>
+              <a:rPr lang="fr-FR" sz="1600" dirty="0" err="1"/>
               <a:t>cell</a:t>
             </a:r>
             <a:r>
-              <a:rPr lang="fr-FR" sz="1600" dirty="0" smtClean="0"/>
+              <a:rPr lang="fr-FR" sz="1600" dirty="0"/>
               <a:t> » a plusieurs propriétés :</a:t>
             </a:r>
           </a:p>
           <a:p>
             <a:pPr lvl="2"/>
             <a:r>
-              <a:rPr lang="fr-FR" sz="1400" dirty="0" smtClean="0"/>
+              <a:rPr lang="fr-FR" sz="1400" dirty="0"/>
               <a:t>Accessible : la case est-elle accessible ?</a:t>
             </a:r>
             <a:endParaRPr lang="fr-FR" sz="1200" dirty="0"/>
@@ -19300,35 +18911,35 @@
           <a:p>
             <a:pPr lvl="2"/>
             <a:r>
-              <a:rPr lang="fr-FR" sz="1200" dirty="0" smtClean="0"/>
+              <a:rPr lang="fr-FR" sz="1200" dirty="0"/>
               <a:t>Player : la case contient-elle un joueur ?</a:t>
             </a:r>
           </a:p>
           <a:p>
             <a:pPr lvl="2"/>
             <a:r>
-              <a:rPr lang="fr-FR" sz="1200" dirty="0" err="1" smtClean="0"/>
+              <a:rPr lang="fr-FR" sz="1200" dirty="0" err="1"/>
               <a:t>Weapon</a:t>
             </a:r>
             <a:r>
-              <a:rPr lang="fr-FR" sz="1200" dirty="0" smtClean="0"/>
+              <a:rPr lang="fr-FR" sz="1200" dirty="0"/>
               <a:t> : la case contient-elle une arme ?</a:t>
             </a:r>
           </a:p>
           <a:p>
             <a:pPr lvl="2"/>
             <a:r>
-              <a:rPr lang="fr-FR" sz="1200" dirty="0" err="1" smtClean="0"/>
+              <a:rPr lang="fr-FR" sz="1200" dirty="0" err="1"/>
               <a:t>availableMoveCase</a:t>
             </a:r>
             <a:r>
-              <a:rPr lang="fr-FR" sz="1200" dirty="0" smtClean="0"/>
+              <a:rPr lang="fr-FR" sz="1200" dirty="0"/>
               <a:t> : la case est-elle une case de mouvement ?</a:t>
             </a:r>
           </a:p>
           <a:p>
             <a:pPr lvl="1"/>
-            <a:endParaRPr lang="fr-FR" sz="1600" dirty="0" smtClean="0"/>
+            <a:endParaRPr lang="fr-FR" sz="1600" dirty="0"/>
           </a:p>
         </p:txBody>
       </p:sp>
@@ -19611,7 +19222,7 @@
               <a:buNone/>
             </a:pPr>
             <a:r>
-              <a:rPr lang="fr-FR" sz="2800" dirty="0" smtClean="0">
+              <a:rPr lang="fr-FR" sz="2800" dirty="0">
                 <a:solidFill>
                   <a:schemeClr val="bg1">
                     <a:lumMod val="50000"/>
@@ -19625,7 +19236,7 @@
               <a:t>Classe « </a:t>
             </a:r>
             <a:r>
-              <a:rPr lang="fr-FR" sz="2800" b="1" dirty="0" err="1" smtClean="0">
+              <a:rPr lang="fr-FR" sz="2800" b="1" dirty="0" err="1">
                 <a:solidFill>
                   <a:schemeClr val="bg1">
                     <a:lumMod val="50000"/>
@@ -19639,7 +19250,7 @@
               <a:t>Grid</a:t>
             </a:r>
             <a:r>
-              <a:rPr lang="fr-FR" sz="2800" dirty="0" smtClean="0">
+              <a:rPr lang="fr-FR" sz="2800" dirty="0">
                 <a:solidFill>
                   <a:schemeClr val="bg1">
                     <a:lumMod val="50000"/>
@@ -19693,7 +19304,7 @@
           <a:p>
             <a:pPr lvl="0"/>
             <a:r>
-              <a:rPr lang="fr-FR" sz="1400" b="1" dirty="0" smtClean="0">
+              <a:rPr lang="fr-FR" sz="1400" b="1" dirty="0">
                 <a:solidFill>
                   <a:schemeClr val="dk1"/>
                 </a:solidFill>
@@ -19702,19 +19313,7 @@
                 <a:cs typeface="Calibri"/>
                 <a:sym typeface="Calibri"/>
               </a:rPr>
-              <a:t>P6 </a:t>
-            </a:r>
-            <a:r>
-              <a:rPr lang="fr-FR" sz="1400" b="1" dirty="0">
-                <a:solidFill>
-                  <a:schemeClr val="dk1"/>
-                </a:solidFill>
-                <a:latin typeface="Calibri"/>
-                <a:ea typeface="Calibri"/>
-                <a:cs typeface="Calibri"/>
-                <a:sym typeface="Calibri"/>
-              </a:rPr>
-              <a:t>: </a:t>
+              <a:t>P6 : </a:t>
             </a:r>
             <a:r>
               <a:rPr lang="fr-FR" b="1" dirty="0">
@@ -19727,18 +19326,6 @@
                 <a:sym typeface="Calibri"/>
               </a:rPr>
               <a:t>Créez un jeu de plateau tour par tour en JS</a:t>
-            </a:r>
-            <a:r>
-              <a:rPr lang="fr-FR" sz="1400" b="1" dirty="0">
-                <a:solidFill>
-                  <a:schemeClr val="dk1"/>
-                </a:solidFill>
-                <a:latin typeface="Calibri"/>
-                <a:ea typeface="Calibri"/>
-                <a:cs typeface="Calibri"/>
-                <a:sym typeface="Calibri"/>
-              </a:rPr>
-              <a:t/>
             </a:r>
             <a:br>
               <a:rPr lang="fr-FR" sz="1400" b="1" dirty="0">
@@ -19826,13 +19413,6 @@
   <p:clrMapOvr>
     <a:masterClrMapping/>
   </p:clrMapOvr>
-  <p:timing>
-    <p:tnLst>
-      <p:par>
-        <p:cTn id="1" dur="indefinite" restart="never" nodeType="tmRoot"/>
-      </p:par>
-    </p:tnLst>
-  </p:timing>
 </p:sld>
 </file>
 
@@ -19906,16 +19486,7 @@
                 <a:cs typeface="Quattrocento Sans"/>
                 <a:sym typeface="Quattrocento Sans"/>
               </a:rPr>
-              <a:t>Etape 1 – </a:t>
-            </a:r>
-            <a:r>
-              <a:rPr lang="fr-FR" sz="3959" dirty="0" smtClean="0">
-                <a:latin typeface="Quattrocento Sans"/>
-                <a:ea typeface="Quattrocento Sans"/>
-                <a:cs typeface="Quattrocento Sans"/>
-                <a:sym typeface="Quattrocento Sans"/>
-              </a:rPr>
-              <a:t>Génération de la carte</a:t>
+              <a:t>Etape 1 – Génération de la carte</a:t>
             </a:r>
             <a:endParaRPr sz="1979" dirty="0">
               <a:latin typeface="Quattrocento Sans"/>
@@ -19980,165 +19551,161 @@
           <a:lstStyle/>
           <a:p>
             <a:r>
-              <a:rPr lang="fr-FR" sz="2000" dirty="0" err="1" smtClean="0"/>
+              <a:rPr lang="fr-FR" sz="2000" dirty="0" err="1"/>
               <a:t>Grid</a:t>
             </a:r>
             <a:r>
-              <a:rPr lang="fr-FR" sz="2000" dirty="0" smtClean="0"/>
+              <a:rPr lang="fr-FR" sz="2000" dirty="0"/>
               <a:t> : méthode </a:t>
             </a:r>
             <a:r>
-              <a:rPr lang="fr-FR" sz="2000" dirty="0" err="1" smtClean="0"/>
+              <a:rPr lang="fr-FR" sz="2000" dirty="0" err="1"/>
               <a:t>setInaccessibleCase</a:t>
             </a:r>
             <a:r>
-              <a:rPr lang="fr-FR" sz="2000" dirty="0" smtClean="0"/>
+              <a:rPr lang="fr-FR" sz="2000" dirty="0"/>
               <a:t>() : création des cases inaccessibles dans le tableau </a:t>
             </a:r>
             <a:r>
-              <a:rPr lang="fr-FR" sz="2000" dirty="0" err="1" smtClean="0"/>
+              <a:rPr lang="fr-FR" sz="2000" dirty="0" err="1"/>
               <a:t>grid</a:t>
             </a:r>
-            <a:endParaRPr lang="fr-FR" sz="2000" dirty="0" smtClean="0"/>
+            <a:endParaRPr lang="fr-FR" sz="2000" dirty="0"/>
           </a:p>
           <a:p>
             <a:pPr lvl="1"/>
             <a:r>
-              <a:rPr lang="fr-FR" sz="1600" dirty="0" smtClean="0"/>
+              <a:rPr lang="fr-FR" sz="1600" dirty="0"/>
               <a:t>Actualise la propriété « accessible » dans le tableau</a:t>
             </a:r>
           </a:p>
           <a:p>
             <a:pPr lvl="1"/>
             <a:r>
-              <a:rPr lang="fr-FR" sz="1600" dirty="0" smtClean="0"/>
+              <a:rPr lang="fr-FR" sz="1600" dirty="0"/>
               <a:t>Génère deux nombres aléatoires grâce à la méthode statique </a:t>
             </a:r>
             <a:r>
-              <a:rPr lang="fr-FR" sz="1600" dirty="0" err="1" smtClean="0"/>
+              <a:rPr lang="fr-FR" sz="1600" dirty="0" err="1"/>
               <a:t>getRandomInt</a:t>
             </a:r>
             <a:r>
-              <a:rPr lang="fr-FR" sz="1600" dirty="0" smtClean="0"/>
+              <a:rPr lang="fr-FR" sz="1600" dirty="0"/>
               <a:t>() : correspond à des coordonnées aléatoires dans le tableau</a:t>
             </a:r>
           </a:p>
           <a:p>
             <a:pPr lvl="1"/>
             <a:r>
-              <a:rPr lang="fr-FR" sz="1600" dirty="0" smtClean="0"/>
+              <a:rPr lang="fr-FR" sz="1600" dirty="0"/>
               <a:t>Changer la propriété « accessible » à false sur l’objet « </a:t>
             </a:r>
             <a:r>
-              <a:rPr lang="fr-FR" sz="1600" dirty="0" err="1" smtClean="0"/>
+              <a:rPr lang="fr-FR" sz="1600" dirty="0" err="1"/>
               <a:t>cell</a:t>
             </a:r>
             <a:r>
-              <a:rPr lang="fr-FR" sz="1600" dirty="0" smtClean="0"/>
+              <a:rPr lang="fr-FR" sz="1600" dirty="0"/>
               <a:t> » correspondant aux coordonnées générées</a:t>
             </a:r>
           </a:p>
           <a:p>
             <a:pPr lvl="1"/>
             <a:r>
-              <a:rPr lang="fr-FR" sz="1600" dirty="0" smtClean="0"/>
+              <a:rPr lang="fr-FR" sz="1600" dirty="0"/>
               <a:t>Boucle </a:t>
             </a:r>
             <a:r>
-              <a:rPr lang="fr-FR" sz="1600" dirty="0" err="1" smtClean="0"/>
+              <a:rPr lang="fr-FR" sz="1600" dirty="0" err="1"/>
               <a:t>while</a:t>
             </a:r>
             <a:r>
-              <a:rPr lang="fr-FR" sz="1600" dirty="0" smtClean="0"/>
+              <a:rPr lang="fr-FR" sz="1600" dirty="0"/>
               <a:t> : </a:t>
             </a:r>
             <a:r>
               <a:rPr lang="fr-FR" sz="1600" dirty="0" err="1"/>
-              <a:t>r</a:t>
-            </a:r>
-            <a:r>
-              <a:rPr lang="fr-FR" sz="1600" dirty="0" err="1" smtClean="0"/>
-              <a:t>épéte</a:t>
-            </a:r>
-            <a:r>
-              <a:rPr lang="fr-FR" sz="1600" dirty="0" smtClean="0"/>
+              <a:t>répéte</a:t>
+            </a:r>
+            <a:r>
+              <a:rPr lang="fr-FR" sz="1600" dirty="0"/>
               <a:t> l’opération autant de fois qu’il y a de cases inaccessibles</a:t>
             </a:r>
           </a:p>
           <a:p>
             <a:r>
-              <a:rPr lang="fr-FR" sz="2000" dirty="0" err="1" smtClean="0"/>
+              <a:rPr lang="fr-FR" sz="2000" dirty="0" err="1"/>
               <a:t>Weapon</a:t>
             </a:r>
             <a:r>
-              <a:rPr lang="fr-FR" sz="2000" dirty="0" smtClean="0"/>
+              <a:rPr lang="fr-FR" sz="2000" dirty="0"/>
               <a:t> et Player : méthodes </a:t>
             </a:r>
             <a:r>
-              <a:rPr lang="fr-FR" sz="2000" dirty="0" err="1" smtClean="0"/>
+              <a:rPr lang="fr-FR" sz="2000" dirty="0" err="1"/>
               <a:t>createWeapon</a:t>
             </a:r>
             <a:r>
-              <a:rPr lang="fr-FR" sz="2000" dirty="0" smtClean="0"/>
+              <a:rPr lang="fr-FR" sz="2000" dirty="0"/>
               <a:t>() et </a:t>
             </a:r>
             <a:r>
-              <a:rPr lang="fr-FR" sz="2000" dirty="0" err="1" smtClean="0"/>
+              <a:rPr lang="fr-FR" sz="2000" dirty="0" err="1"/>
               <a:t>createPlayer</a:t>
             </a:r>
             <a:r>
-              <a:rPr lang="fr-FR" sz="2000" dirty="0" smtClean="0"/>
+              <a:rPr lang="fr-FR" sz="2000" dirty="0"/>
               <a:t>()</a:t>
             </a:r>
           </a:p>
           <a:p>
             <a:pPr lvl="1"/>
             <a:r>
-              <a:rPr lang="fr-FR" sz="1600" dirty="0" smtClean="0"/>
+              <a:rPr lang="fr-FR" sz="1600" dirty="0"/>
               <a:t>Suit le même principe que </a:t>
             </a:r>
             <a:r>
-              <a:rPr lang="fr-FR" sz="1600" dirty="0" err="1" smtClean="0"/>
+              <a:rPr lang="fr-FR" sz="1600" dirty="0" err="1"/>
               <a:t>setInaccessibleCase</a:t>
             </a:r>
             <a:r>
-              <a:rPr lang="fr-FR" sz="1600" dirty="0" smtClean="0"/>
+              <a:rPr lang="fr-FR" sz="1600" dirty="0"/>
               <a:t>()</a:t>
             </a:r>
           </a:p>
           <a:p>
             <a:r>
-              <a:rPr lang="fr-FR" sz="2000" dirty="0" smtClean="0"/>
+              <a:rPr lang="fr-FR" sz="2000" dirty="0"/>
               <a:t>Player : méthode </a:t>
             </a:r>
             <a:r>
-              <a:rPr lang="fr-FR" sz="2000" dirty="0" err="1" smtClean="0"/>
+              <a:rPr lang="fr-FR" sz="2000" dirty="0" err="1"/>
               <a:t>checkClosePlayers</a:t>
             </a:r>
             <a:r>
-              <a:rPr lang="fr-FR" sz="2000" dirty="0" smtClean="0"/>
+              <a:rPr lang="fr-FR" sz="2000" dirty="0"/>
               <a:t>() :</a:t>
             </a:r>
           </a:p>
           <a:p>
             <a:pPr lvl="1"/>
             <a:r>
-              <a:rPr lang="fr-FR" sz="1600" dirty="0" smtClean="0"/>
+              <a:rPr lang="fr-FR" sz="1600" dirty="0"/>
               <a:t>Vérifie si les deux joueurs ne sont pas côte à côte</a:t>
             </a:r>
           </a:p>
           <a:p>
             <a:pPr lvl="1"/>
             <a:r>
-              <a:rPr lang="fr-FR" sz="1600" dirty="0" smtClean="0"/>
+              <a:rPr lang="fr-FR" sz="1600" dirty="0"/>
               <a:t>Renvoie une variable qui est utilisée dans les conditions de la méthode </a:t>
             </a:r>
             <a:r>
-              <a:rPr lang="fr-FR" sz="1600" dirty="0" err="1" smtClean="0"/>
+              <a:rPr lang="fr-FR" sz="1600" dirty="0" err="1"/>
               <a:t>createPlayer</a:t>
             </a:r>
             <a:r>
-              <a:rPr lang="fr-FR" sz="1600" dirty="0" smtClean="0"/>
+              <a:rPr lang="fr-FR" sz="1600" dirty="0"/>
               <a:t>()</a:t>
             </a:r>
           </a:p>
@@ -20423,7 +19990,7 @@
               <a:buNone/>
             </a:pPr>
             <a:r>
-              <a:rPr lang="fr-FR" sz="2800" dirty="0" smtClean="0">
+              <a:rPr lang="fr-FR" sz="2800" dirty="0">
                 <a:solidFill>
                   <a:schemeClr val="bg1">
                     <a:lumMod val="50000"/>
@@ -20437,7 +20004,7 @@
               <a:t>Classes « </a:t>
             </a:r>
             <a:r>
-              <a:rPr lang="fr-FR" sz="2800" b="1" dirty="0" err="1" smtClean="0">
+              <a:rPr lang="fr-FR" sz="2800" b="1" dirty="0" err="1">
                 <a:solidFill>
                   <a:schemeClr val="bg1">
                     <a:lumMod val="50000"/>
@@ -20451,7 +20018,7 @@
               <a:t>Grid</a:t>
             </a:r>
             <a:r>
-              <a:rPr lang="fr-FR" sz="2800" dirty="0" smtClean="0">
+              <a:rPr lang="fr-FR" sz="2800" dirty="0">
                 <a:solidFill>
                   <a:schemeClr val="bg1">
                     <a:lumMod val="50000"/>
@@ -20465,7 +20032,7 @@
               <a:t> » « </a:t>
             </a:r>
             <a:r>
-              <a:rPr lang="fr-FR" sz="2800" b="1" dirty="0" smtClean="0">
+              <a:rPr lang="fr-FR" sz="2800" b="1" dirty="0">
                 <a:solidFill>
                   <a:schemeClr val="bg1">
                     <a:lumMod val="50000"/>
@@ -20479,7 +20046,7 @@
               <a:t>Player</a:t>
             </a:r>
             <a:r>
-              <a:rPr lang="fr-FR" sz="2800" dirty="0" smtClean="0">
+              <a:rPr lang="fr-FR" sz="2800" dirty="0">
                 <a:solidFill>
                   <a:schemeClr val="bg1">
                     <a:lumMod val="50000"/>
@@ -20493,7 +20060,7 @@
               <a:t> » et « </a:t>
             </a:r>
             <a:r>
-              <a:rPr lang="fr-FR" sz="2800" b="1" dirty="0" err="1" smtClean="0">
+              <a:rPr lang="fr-FR" sz="2800" b="1" dirty="0" err="1">
                 <a:solidFill>
                   <a:schemeClr val="bg1">
                     <a:lumMod val="50000"/>
@@ -20507,7 +20074,7 @@
               <a:t>Weapon</a:t>
             </a:r>
             <a:r>
-              <a:rPr lang="fr-FR" sz="2800" dirty="0" smtClean="0">
+              <a:rPr lang="fr-FR" sz="2800" dirty="0">
                 <a:solidFill>
                   <a:schemeClr val="bg1">
                     <a:lumMod val="50000"/>
@@ -20561,7 +20128,7 @@
           <a:p>
             <a:pPr lvl="0"/>
             <a:r>
-              <a:rPr lang="fr-FR" sz="1400" b="1" dirty="0" smtClean="0">
+              <a:rPr lang="fr-FR" sz="1400" b="1" dirty="0">
                 <a:solidFill>
                   <a:schemeClr val="dk1"/>
                 </a:solidFill>
@@ -20570,19 +20137,7 @@
                 <a:cs typeface="Calibri"/>
                 <a:sym typeface="Calibri"/>
               </a:rPr>
-              <a:t>P6 </a:t>
-            </a:r>
-            <a:r>
-              <a:rPr lang="fr-FR" sz="1400" b="1" dirty="0">
-                <a:solidFill>
-                  <a:schemeClr val="dk1"/>
-                </a:solidFill>
-                <a:latin typeface="Calibri"/>
-                <a:ea typeface="Calibri"/>
-                <a:cs typeface="Calibri"/>
-                <a:sym typeface="Calibri"/>
-              </a:rPr>
-              <a:t>: </a:t>
+              <a:t>P6 : </a:t>
             </a:r>
             <a:r>
               <a:rPr lang="fr-FR" b="1" dirty="0">
@@ -20595,18 +20150,6 @@
                 <a:sym typeface="Calibri"/>
               </a:rPr>
               <a:t>Créez un jeu de plateau tour par tour en JS</a:t>
-            </a:r>
-            <a:r>
-              <a:rPr lang="fr-FR" sz="1400" b="1" dirty="0">
-                <a:solidFill>
-                  <a:schemeClr val="dk1"/>
-                </a:solidFill>
-                <a:latin typeface="Calibri"/>
-                <a:ea typeface="Calibri"/>
-                <a:cs typeface="Calibri"/>
-                <a:sym typeface="Calibri"/>
-              </a:rPr>
-              <a:t/>
             </a:r>
             <a:br>
               <a:rPr lang="fr-FR" sz="1400" b="1" dirty="0">
@@ -20653,13 +20196,6 @@
   <p:clrMapOvr>
     <a:masterClrMapping/>
   </p:clrMapOvr>
-  <p:timing>
-    <p:tnLst>
-      <p:par>
-        <p:cTn id="1" dur="indefinite" restart="never" nodeType="tmRoot"/>
-      </p:par>
-    </p:tnLst>
-  </p:timing>
 </p:sld>
 </file>
 
@@ -20733,16 +20269,7 @@
                 <a:cs typeface="Quattrocento Sans"/>
                 <a:sym typeface="Quattrocento Sans"/>
               </a:rPr>
-              <a:t>Etape 1 – </a:t>
-            </a:r>
-            <a:r>
-              <a:rPr lang="fr-FR" sz="3959" dirty="0" smtClean="0">
-                <a:latin typeface="Quattrocento Sans"/>
-                <a:ea typeface="Quattrocento Sans"/>
-                <a:cs typeface="Quattrocento Sans"/>
-                <a:sym typeface="Quattrocento Sans"/>
-              </a:rPr>
-              <a:t>Génération de la carte</a:t>
+              <a:t>Etape 1 – Génération de la carte</a:t>
             </a:r>
             <a:endParaRPr sz="1979" dirty="0">
               <a:latin typeface="Quattrocento Sans"/>
@@ -20832,64 +20359,63 @@
               <a:t>Méthode </a:t>
             </a:r>
             <a:r>
-              <a:rPr lang="fr-FR" sz="2400" dirty="0" err="1" smtClean="0"/>
+              <a:rPr lang="fr-FR" sz="2400" dirty="0" err="1"/>
               <a:t>createFrontGrid</a:t>
             </a:r>
             <a:r>
-              <a:rPr lang="fr-FR" sz="2400" dirty="0" smtClean="0"/>
+              <a:rPr lang="fr-FR" sz="2400" dirty="0"/>
               <a:t>()</a:t>
             </a:r>
           </a:p>
           <a:p>
             <a:pPr lvl="1"/>
             <a:r>
-              <a:rPr lang="fr-FR" sz="2000" dirty="0" smtClean="0"/>
+              <a:rPr lang="fr-FR" sz="2000" dirty="0"/>
               <a:t>Crée la grille en HTML, côté front</a:t>
             </a:r>
           </a:p>
           <a:p>
             <a:pPr lvl="1"/>
             <a:r>
-              <a:rPr lang="fr-FR" sz="2000" dirty="0" smtClean="0"/>
+              <a:rPr lang="fr-FR" sz="2000" dirty="0"/>
               <a:t>Parcourt le tableau </a:t>
             </a:r>
             <a:r>
-              <a:rPr lang="fr-FR" sz="2000" dirty="0" err="1" smtClean="0"/>
+              <a:rPr lang="fr-FR" sz="2000" dirty="0" err="1"/>
               <a:t>grid</a:t>
             </a:r>
             <a:r>
-              <a:rPr lang="fr-FR" sz="2000" dirty="0" smtClean="0"/>
+              <a:rPr lang="fr-FR" sz="2000" dirty="0"/>
               <a:t> (actualisé grâce aux méthodes précédentes) et utilise des conditions pour appliquer telle ou telle classes en HTML</a:t>
             </a:r>
           </a:p>
           <a:p>
             <a:pPr lvl="1"/>
             <a:r>
-              <a:rPr lang="fr-FR" sz="2000" dirty="0" smtClean="0"/>
+              <a:rPr lang="fr-FR" sz="2000" dirty="0"/>
               <a:t>En HTML, la grille est créée avec :</a:t>
             </a:r>
           </a:p>
           <a:p>
             <a:pPr lvl="2"/>
             <a:r>
-              <a:rPr lang="fr-FR" sz="1600" dirty="0" smtClean="0"/>
+              <a:rPr lang="fr-FR" sz="1600" dirty="0"/>
               <a:t>Le tag « table »</a:t>
             </a:r>
           </a:p>
           <a:p>
             <a:pPr lvl="2"/>
             <a:r>
-              <a:rPr lang="fr-FR" sz="1600" dirty="0" smtClean="0"/>
+              <a:rPr lang="fr-FR" sz="1600" dirty="0"/>
               <a:t>Le tag « tr » pour les lignes</a:t>
             </a:r>
           </a:p>
           <a:p>
             <a:pPr lvl="2"/>
             <a:r>
-              <a:rPr lang="fr-FR" sz="1600" dirty="0" smtClean="0"/>
+              <a:rPr lang="fr-FR" sz="1600" dirty="0"/>
               <a:t>Le tag « td » pour les colonnes</a:t>
             </a:r>
-            <a:endParaRPr lang="fr-FR" sz="1600" dirty="0"/>
           </a:p>
         </p:txBody>
       </p:sp>
@@ -21172,7 +20698,7 @@
               <a:buNone/>
             </a:pPr>
             <a:r>
-              <a:rPr lang="fr-FR" sz="2800" dirty="0" smtClean="0">
+              <a:rPr lang="fr-FR" sz="2800" dirty="0">
                 <a:solidFill>
                   <a:schemeClr val="bg1">
                     <a:lumMod val="50000"/>
@@ -21186,7 +20712,7 @@
               <a:t>Classes « </a:t>
             </a:r>
             <a:r>
-              <a:rPr lang="fr-FR" sz="2800" b="1" dirty="0" err="1" smtClean="0">
+              <a:rPr lang="fr-FR" sz="2800" b="1" dirty="0" err="1">
                 <a:solidFill>
                   <a:schemeClr val="bg1">
                     <a:lumMod val="50000"/>
@@ -21200,7 +20726,7 @@
               <a:t>Grid</a:t>
             </a:r>
             <a:r>
-              <a:rPr lang="fr-FR" sz="2800" dirty="0" smtClean="0">
+              <a:rPr lang="fr-FR" sz="2800" dirty="0">
                 <a:solidFill>
                   <a:schemeClr val="bg1">
                     <a:lumMod val="50000"/>
@@ -21214,7 +20740,7 @@
               <a:t> » « </a:t>
             </a:r>
             <a:r>
-              <a:rPr lang="fr-FR" sz="2800" b="1" dirty="0" smtClean="0">
+              <a:rPr lang="fr-FR" sz="2800" b="1" dirty="0">
                 <a:solidFill>
                   <a:schemeClr val="bg1">
                     <a:lumMod val="50000"/>
@@ -21228,7 +20754,7 @@
               <a:t>Player</a:t>
             </a:r>
             <a:r>
-              <a:rPr lang="fr-FR" sz="2800" dirty="0" smtClean="0">
+              <a:rPr lang="fr-FR" sz="2800" dirty="0">
                 <a:solidFill>
                   <a:schemeClr val="bg1">
                     <a:lumMod val="50000"/>
@@ -21242,7 +20768,7 @@
               <a:t> » et « </a:t>
             </a:r>
             <a:r>
-              <a:rPr lang="fr-FR" sz="2800" b="1" dirty="0" err="1" smtClean="0">
+              <a:rPr lang="fr-FR" sz="2800" b="1" dirty="0" err="1">
                 <a:solidFill>
                   <a:schemeClr val="bg1">
                     <a:lumMod val="50000"/>
@@ -21256,7 +20782,7 @@
               <a:t>Weapon</a:t>
             </a:r>
             <a:r>
-              <a:rPr lang="fr-FR" sz="2800" dirty="0" smtClean="0">
+              <a:rPr lang="fr-FR" sz="2800" dirty="0">
                 <a:solidFill>
                   <a:schemeClr val="bg1">
                     <a:lumMod val="50000"/>
@@ -21310,7 +20836,7 @@
           <a:p>
             <a:pPr lvl="0"/>
             <a:r>
-              <a:rPr lang="fr-FR" sz="1400" b="1" dirty="0" smtClean="0">
+              <a:rPr lang="fr-FR" sz="1400" b="1" dirty="0">
                 <a:solidFill>
                   <a:schemeClr val="dk1"/>
                 </a:solidFill>
@@ -21319,19 +20845,7 @@
                 <a:cs typeface="Calibri"/>
                 <a:sym typeface="Calibri"/>
               </a:rPr>
-              <a:t>P6 </a:t>
-            </a:r>
-            <a:r>
-              <a:rPr lang="fr-FR" sz="1400" b="1" dirty="0">
-                <a:solidFill>
-                  <a:schemeClr val="dk1"/>
-                </a:solidFill>
-                <a:latin typeface="Calibri"/>
-                <a:ea typeface="Calibri"/>
-                <a:cs typeface="Calibri"/>
-                <a:sym typeface="Calibri"/>
-              </a:rPr>
-              <a:t>: </a:t>
+              <a:t>P6 : </a:t>
             </a:r>
             <a:r>
               <a:rPr lang="fr-FR" b="1" dirty="0">
@@ -21344,18 +20858,6 @@
                 <a:sym typeface="Calibri"/>
               </a:rPr>
               <a:t>Créez un jeu de plateau tour par tour en JS</a:t>
-            </a:r>
-            <a:r>
-              <a:rPr lang="fr-FR" sz="1400" b="1" dirty="0">
-                <a:solidFill>
-                  <a:schemeClr val="dk1"/>
-                </a:solidFill>
-                <a:latin typeface="Calibri"/>
-                <a:ea typeface="Calibri"/>
-                <a:cs typeface="Calibri"/>
-                <a:sym typeface="Calibri"/>
-              </a:rPr>
-              <a:t/>
             </a:r>
             <a:br>
               <a:rPr lang="fr-FR" sz="1400" b="1" dirty="0">
@@ -21402,13 +20904,6 @@
   <p:clrMapOvr>
     <a:masterClrMapping/>
   </p:clrMapOvr>
-  <p:timing>
-    <p:tnLst>
-      <p:par>
-        <p:cTn id="1" dur="indefinite" restart="never" nodeType="tmRoot"/>
-      </p:par>
-    </p:tnLst>
-  </p:timing>
 </p:sld>
 </file>
 

--- a/Présentation P6 - OpenClassrooms.pptx
+++ b/Présentation P6 - OpenClassrooms.pptx
@@ -13048,7 +13048,7 @@
             </a:r>
             <a:r>
               <a:rPr lang="fr-FR" sz="1800" dirty="0"/>
-              <a:t> qui prendra une valeur en fonction de la direction du déplacement</a:t>
+              <a:t> qui prendront une valeur en fonction de la direction du déplacement</a:t>
             </a:r>
           </a:p>
           <a:p>
@@ -14945,93 +14945,139 @@
           <a:lstStyle/>
           <a:p>
             <a:r>
-              <a:rPr lang="fr-FR" dirty="0"/>
+              <a:rPr lang="fr-FR" sz="2400" dirty="0"/>
               <a:t>Méthode </a:t>
             </a:r>
             <a:r>
-              <a:rPr lang="fr-FR" dirty="0" err="1"/>
+              <a:rPr lang="fr-FR" sz="2400" dirty="0" err="1"/>
               <a:t>checkClosePlayers</a:t>
             </a:r>
             <a:r>
-              <a:rPr lang="fr-FR" dirty="0"/>
+              <a:rPr lang="fr-FR" sz="2400" dirty="0"/>
               <a:t>()</a:t>
             </a:r>
           </a:p>
           <a:p>
             <a:pPr lvl="1"/>
             <a:r>
-              <a:rPr lang="fr-FR" dirty="0"/>
+              <a:rPr lang="fr-FR" sz="2000" dirty="0"/>
               <a:t>Vérifie à chaque tour si les joueurs sont sur des cases adjacentes</a:t>
             </a:r>
           </a:p>
           <a:p>
             <a:pPr lvl="1"/>
             <a:r>
-              <a:rPr lang="fr-FR" dirty="0"/>
+              <a:rPr lang="fr-FR" sz="2000" dirty="0"/>
               <a:t>Renvoi une variable </a:t>
             </a:r>
             <a:r>
-              <a:rPr lang="fr-FR" dirty="0" err="1"/>
+              <a:rPr lang="fr-FR" sz="2000" dirty="0" err="1"/>
               <a:t>startBattle</a:t>
             </a:r>
             <a:r>
-              <a:rPr lang="fr-FR" dirty="0"/>
+              <a:rPr lang="fr-FR" sz="2000" dirty="0"/>
               <a:t> utilisée dans la méthode </a:t>
             </a:r>
             <a:r>
-              <a:rPr lang="fr-FR" dirty="0" err="1"/>
+              <a:rPr lang="fr-FR" sz="2000" dirty="0" err="1"/>
               <a:t>whosNext</a:t>
             </a:r>
             <a:r>
-              <a:rPr lang="fr-FR" dirty="0"/>
+              <a:rPr lang="fr-FR" sz="2000" dirty="0"/>
               <a:t>() pour lancer le combat</a:t>
             </a:r>
           </a:p>
           <a:p>
             <a:r>
-              <a:rPr lang="fr-FR" dirty="0"/>
+              <a:rPr lang="fr-FR" sz="2400" dirty="0"/>
               <a:t>Méthode </a:t>
             </a:r>
             <a:r>
-              <a:rPr lang="fr-FR" dirty="0" err="1"/>
+              <a:rPr lang="fr-FR" sz="2400" dirty="0" err="1"/>
               <a:t>startBattle</a:t>
             </a:r>
             <a:r>
-              <a:rPr lang="fr-FR" dirty="0"/>
+              <a:rPr lang="fr-FR" sz="2400" dirty="0"/>
               <a:t>() :</a:t>
             </a:r>
           </a:p>
           <a:p>
             <a:pPr lvl="1"/>
             <a:r>
-              <a:rPr lang="fr-FR" dirty="0"/>
+              <a:rPr lang="fr-FR" sz="2000" dirty="0"/>
               <a:t>Gère le combat entre les joueurs</a:t>
             </a:r>
           </a:p>
           <a:p>
             <a:pPr lvl="1"/>
             <a:r>
-              <a:rPr lang="fr-FR" dirty="0"/>
+              <a:rPr lang="fr-FR" sz="2000" dirty="0"/>
               <a:t>Utilise la variable locale « count » : tour par tour</a:t>
             </a:r>
           </a:p>
           <a:p>
             <a:pPr lvl="1"/>
             <a:r>
-              <a:rPr lang="fr-FR" dirty="0"/>
+              <a:rPr lang="fr-FR" sz="2000" dirty="0"/>
               <a:t>Utilise des fonctions « attaque() » et « </a:t>
             </a:r>
             <a:r>
-              <a:rPr lang="fr-FR" dirty="0" err="1"/>
+              <a:rPr lang="fr-FR" sz="2000" dirty="0" err="1"/>
               <a:t>defense</a:t>
             </a:r>
             <a:r>
-              <a:rPr lang="fr-FR" dirty="0"/>
+              <a:rPr lang="fr-FR" sz="2000" dirty="0"/>
               <a:t>() »</a:t>
             </a:r>
           </a:p>
           <a:p>
-            <a:endParaRPr lang="fr-FR" dirty="0"/>
+            <a:pPr lvl="1"/>
+            <a:r>
+              <a:rPr lang="fr-FR" sz="2000" dirty="0"/>
+              <a:t>Fonction attaque() : retire des points de vie à l’adversaire </a:t>
+            </a:r>
+            <a:r>
+              <a:rPr lang="fr-FR" sz="2000" dirty="0" err="1"/>
+              <a:t>égals</a:t>
+            </a:r>
+            <a:r>
+              <a:rPr lang="fr-FR" sz="2000" dirty="0"/>
+              <a:t> à la valeur des </a:t>
+            </a:r>
+            <a:r>
+              <a:rPr lang="fr-FR" sz="2000" dirty="0" err="1"/>
+              <a:t>dégats</a:t>
+            </a:r>
+            <a:r>
+              <a:rPr lang="fr-FR" sz="2000" dirty="0"/>
+              <a:t> de son arme courante</a:t>
+            </a:r>
+          </a:p>
+          <a:p>
+            <a:pPr lvl="1"/>
+            <a:r>
+              <a:rPr lang="fr-FR" sz="2000" dirty="0"/>
+              <a:t>Fonction </a:t>
+            </a:r>
+            <a:r>
+              <a:rPr lang="fr-FR" sz="2000" dirty="0" err="1"/>
+              <a:t>defense</a:t>
+            </a:r>
+            <a:r>
+              <a:rPr lang="fr-FR" sz="2000" dirty="0"/>
+              <a:t>() : permet de se protéger en absorbant la moitié des </a:t>
+            </a:r>
+            <a:r>
+              <a:rPr lang="fr-FR" sz="2000" dirty="0" err="1"/>
+              <a:t>dégats</a:t>
+            </a:r>
+            <a:r>
+              <a:rPr lang="fr-FR" sz="2000" dirty="0"/>
+              <a:t> infligés par l’adversaire</a:t>
+            </a:r>
+          </a:p>
+          <a:p>
+            <a:endParaRPr lang="fr-FR" sz="2400" dirty="0"/>
           </a:p>
         </p:txBody>
       </p:sp>
@@ -15645,7 +15691,7 @@
             <a:pPr lvl="1"/>
             <a:r>
               <a:rPr lang="fr-FR" dirty="0"/>
-              <a:t>Chaque information est transmis de la même façon que la classe Default</a:t>
+              <a:t>Chaque information est transmise de la même façon que la classe Default</a:t>
             </a:r>
           </a:p>
         </p:txBody>

--- a/Présentation P6 - OpenClassrooms.pptx
+++ b/Présentation P6 - OpenClassrooms.pptx
@@ -14290,7 +14290,7 @@
             <a:pPr lvl="1"/>
             <a:r>
               <a:rPr lang="fr-FR" sz="1600" dirty="0"/>
-              <a:t>Appelée à chaque rechargement pour savoir quel joueur doit joué</a:t>
+              <a:t>Appelée à chaque rechargement pour savoir quel joueur doit jouer</a:t>
             </a:r>
           </a:p>
           <a:p>
@@ -14968,7 +14968,7 @@
             <a:pPr lvl="1"/>
             <a:r>
               <a:rPr lang="fr-FR" sz="2000" dirty="0"/>
-              <a:t>Renvoi une variable </a:t>
+              <a:t>Renvoie une variable </a:t>
             </a:r>
             <a:r>
               <a:rPr lang="fr-FR" sz="2000" dirty="0" err="1"/>
@@ -15034,23 +15034,7 @@
             <a:pPr lvl="1"/>
             <a:r>
               <a:rPr lang="fr-FR" sz="2000" dirty="0"/>
-              <a:t>Fonction attaque() : retire des points de vie à l’adversaire </a:t>
-            </a:r>
-            <a:r>
-              <a:rPr lang="fr-FR" sz="2000" dirty="0" err="1"/>
-              <a:t>égals</a:t>
-            </a:r>
-            <a:r>
-              <a:rPr lang="fr-FR" sz="2000" dirty="0"/>
-              <a:t> à la valeur des </a:t>
-            </a:r>
-            <a:r>
-              <a:rPr lang="fr-FR" sz="2000" dirty="0" err="1"/>
-              <a:t>dégats</a:t>
-            </a:r>
-            <a:r>
-              <a:rPr lang="fr-FR" sz="2000" dirty="0"/>
-              <a:t> de son arme courante</a:t>
+              <a:t>Fonction attaque() : retire des points de vie à l’adversaire égal à la valeur des dégâts de son arme courante</a:t>
             </a:r>
           </a:p>
           <a:p>
@@ -15065,15 +15049,7 @@
             </a:r>
             <a:r>
               <a:rPr lang="fr-FR" sz="2000" dirty="0"/>
-              <a:t>() : permet de se protéger en absorbant la moitié des </a:t>
-            </a:r>
-            <a:r>
-              <a:rPr lang="fr-FR" sz="2000" dirty="0" err="1"/>
-              <a:t>dégats</a:t>
-            </a:r>
-            <a:r>
-              <a:rPr lang="fr-FR" sz="2000" dirty="0"/>
-              <a:t> infligés par l’adversaire</a:t>
+              <a:t>() : permet de se protéger en absorbant la moitié des dégâts infligés par l’adversaire</a:t>
             </a:r>
           </a:p>
           <a:p>
@@ -16545,15 +16521,15 @@
             </a:r>
             <a:r>
               <a:rPr lang="fr-FR" dirty="0" err="1"/>
-              <a:t>VanillaJS</a:t>
+              <a:t>Vanilla</a:t>
             </a:r>
             <a:r>
               <a:rPr lang="fr-FR" dirty="0"/>
-              <a:t> (full </a:t>
+              <a:t> Javascript (</a:t>
             </a:r>
             <a:r>
               <a:rPr lang="fr-FR" dirty="0" err="1"/>
-              <a:t>Javascript</a:t>
+              <a:t>onscratch</a:t>
             </a:r>
             <a:r>
               <a:rPr lang="fr-FR" dirty="0"/>
@@ -16563,7 +16539,7 @@
           <a:p>
             <a:r>
               <a:rPr lang="fr-FR" dirty="0"/>
-              <a:t>N’inclus pas jQuery</a:t>
+              <a:t>N’inclut pas jQuery</a:t>
             </a:r>
           </a:p>
           <a:p>
@@ -16621,9 +16597,12 @@
             </a:r>
             <a:r>
               <a:rPr lang="fr-FR" i="1" dirty="0" err="1"/>
-              <a:t>VanillaJS</a:t>
-            </a:r>
-            <a:endParaRPr lang="fr-FR" i="1" dirty="0"/>
+              <a:t>Vanilla</a:t>
+            </a:r>
+            <a:r>
+              <a:rPr lang="fr-FR" i="1" dirty="0"/>
+              <a:t> Javascript</a:t>
+            </a:r>
           </a:p>
         </p:txBody>
       </p:sp>
@@ -18957,29 +18936,29 @@
           <a:p>
             <a:pPr lvl="2"/>
             <a:r>
-              <a:rPr lang="fr-FR" sz="1200" dirty="0"/>
+              <a:rPr lang="fr-FR" sz="1400" dirty="0"/>
               <a:t>Player : la case contient-elle un joueur ?</a:t>
             </a:r>
           </a:p>
           <a:p>
             <a:pPr lvl="2"/>
             <a:r>
-              <a:rPr lang="fr-FR" sz="1200" dirty="0" err="1"/>
+              <a:rPr lang="fr-FR" sz="1400" dirty="0" err="1"/>
               <a:t>Weapon</a:t>
             </a:r>
             <a:r>
-              <a:rPr lang="fr-FR" sz="1200" dirty="0"/>
+              <a:rPr lang="fr-FR" sz="1400" dirty="0"/>
               <a:t> : la case contient-elle une arme ?</a:t>
             </a:r>
           </a:p>
           <a:p>
             <a:pPr lvl="2"/>
             <a:r>
-              <a:rPr lang="fr-FR" sz="1200" dirty="0" err="1"/>
+              <a:rPr lang="fr-FR" sz="1400" dirty="0" err="1"/>
               <a:t>availableMoveCase</a:t>
             </a:r>
             <a:r>
-              <a:rPr lang="fr-FR" sz="1200" dirty="0"/>
+              <a:rPr lang="fr-FR" sz="1400" dirty="0"/>
               <a:t> : la case est-elle une case de mouvement ?</a:t>
             </a:r>
           </a:p>
@@ -19644,7 +19623,7 @@
             <a:pPr lvl="1"/>
             <a:r>
               <a:rPr lang="fr-FR" sz="1600" dirty="0"/>
-              <a:t>Changer la propriété « accessible » à false sur l’objet « </a:t>
+              <a:t>Change la propriété « accessible » à false sur l’objet « </a:t>
             </a:r>
             <a:r>
               <a:rPr lang="fr-FR" sz="1600" dirty="0" err="1"/>
@@ -19667,15 +19646,7 @@
             </a:r>
             <a:r>
               <a:rPr lang="fr-FR" sz="1600" dirty="0"/>
-              <a:t> : </a:t>
-            </a:r>
-            <a:r>
-              <a:rPr lang="fr-FR" sz="1600" dirty="0" err="1"/>
-              <a:t>répéte</a:t>
-            </a:r>
-            <a:r>
-              <a:rPr lang="fr-FR" sz="1600" dirty="0"/>
-              <a:t> l’opération autant de fois qu’il y a de cases inaccessibles</a:t>
+              <a:t> : répète l’opération autant de fois qu’il y a de cases inaccessibles</a:t>
             </a:r>
           </a:p>
           <a:p>

--- a/Présentation P6 - OpenClassrooms.pptx
+++ b/Présentation P6 - OpenClassrooms.pptx
@@ -16371,6 +16371,25 @@
               <a:t>Customisation du jeu</a:t>
             </a:r>
           </a:p>
+          <a:p>
+            <a:endParaRPr lang="fr-FR" dirty="0"/>
+          </a:p>
+          <a:p>
+            <a:r>
+              <a:rPr lang="fr-FR" dirty="0"/>
+              <a:t>Pour plus d’informations sur le projet, </a:t>
+            </a:r>
+            <a:r>
+              <a:rPr lang="fr-FR" dirty="0">
+                <a:hlinkClick r:id="rId4"/>
+              </a:rPr>
+              <a:t>consultez le wiki</a:t>
+            </a:r>
+            <a:r>
+              <a:rPr lang="fr-FR" dirty="0"/>
+              <a:t> sur GitHub</a:t>
+            </a:r>
+          </a:p>
         </p:txBody>
       </p:sp>
     </p:spTree>
